--- a/images/Apresentação2.pptx
+++ b/images/Apresentação2.pptx
@@ -6,6 +6,7 @@
   </p:sldMasterIdLst>
   <p:sldIdLst>
     <p:sldId id="256" r:id="rId2"/>
+    <p:sldId id="257" r:id="rId3"/>
   </p:sldIdLst>
   <p:sldSz cx="6858000" cy="12192000"/>
   <p:notesSz cx="6858000" cy="9144000"/>
@@ -2971,606 +2972,2234 @@
           <a:chExt cx="0" cy="0"/>
         </a:xfrm>
       </p:grpSpPr>
+      <p:sp>
+        <p:nvSpPr>
+          <p:cNvPr id="14" name="CaixaDeTexto 13"/>
+          <p:cNvSpPr txBox="1"/>
+          <p:nvPr/>
+        </p:nvSpPr>
+        <p:spPr>
+          <a:xfrm>
+            <a:off x="356339" y="995969"/>
+            <a:ext cx="1719262" cy="400110"/>
+          </a:xfrm>
+          <a:prstGeom prst="rect">
+            <a:avLst/>
+          </a:prstGeom>
+          <a:gradFill flip="none" rotWithShape="1">
+            <a:gsLst>
+              <a:gs pos="33000">
+                <a:srgbClr val="7798B6"/>
+              </a:gs>
+              <a:gs pos="0">
+                <a:schemeClr val="accent1">
+                  <a:lumMod val="50000"/>
+                </a:schemeClr>
+              </a:gs>
+              <a:gs pos="89000">
+                <a:srgbClr val="A3BDD4"/>
+              </a:gs>
+              <a:gs pos="100000">
+                <a:schemeClr val="accent1">
+                  <a:lumMod val="30000"/>
+                  <a:lumOff val="70000"/>
+                </a:schemeClr>
+              </a:gs>
+            </a:gsLst>
+            <a:lin ang="16200000" scaled="1"/>
+            <a:tileRect/>
+          </a:gradFill>
+          <a:ln>
+            <a:noFill/>
+          </a:ln>
+          <a:effectLst/>
+        </p:spPr>
+        <p:txBody>
+          <a:bodyPr wrap="square" rtlCol="0" anchor="ctr" anchorCtr="0">
+            <a:spAutoFit/>
+          </a:bodyPr>
+          <a:lstStyle/>
+          <a:p>
+            <a:pPr algn="ctr"/>
+            <a:r>
+              <a:rPr lang="pt-PT" sz="2000" dirty="0" smtClean="0"/>
+              <a:t>KINGDOM</a:t>
+            </a:r>
+            <a:endParaRPr lang="pt-PT" sz="2000" dirty="0"/>
+          </a:p>
+        </p:txBody>
+      </p:sp>
+      <p:sp>
+        <p:nvSpPr>
+          <p:cNvPr id="24" name="CaixaDeTexto 23"/>
+          <p:cNvSpPr txBox="1"/>
+          <p:nvPr/>
+        </p:nvSpPr>
+        <p:spPr>
+          <a:xfrm>
+            <a:off x="621670" y="1504188"/>
+            <a:ext cx="1719262" cy="400110"/>
+          </a:xfrm>
+          <a:prstGeom prst="rect">
+            <a:avLst/>
+          </a:prstGeom>
+          <a:gradFill flip="none" rotWithShape="1">
+            <a:gsLst>
+              <a:gs pos="33000">
+                <a:srgbClr val="7798B6"/>
+              </a:gs>
+              <a:gs pos="0">
+                <a:schemeClr val="accent1">
+                  <a:lumMod val="50000"/>
+                </a:schemeClr>
+              </a:gs>
+              <a:gs pos="89000">
+                <a:srgbClr val="A3BDD4"/>
+              </a:gs>
+              <a:gs pos="100000">
+                <a:schemeClr val="accent1">
+                  <a:lumMod val="30000"/>
+                  <a:lumOff val="70000"/>
+                </a:schemeClr>
+              </a:gs>
+            </a:gsLst>
+            <a:lin ang="16200000" scaled="1"/>
+            <a:tileRect/>
+          </a:gradFill>
+          <a:ln>
+            <a:noFill/>
+          </a:ln>
+          <a:effectLst/>
+        </p:spPr>
+        <p:txBody>
+          <a:bodyPr wrap="square" rtlCol="0">
+            <a:spAutoFit/>
+          </a:bodyPr>
+          <a:lstStyle/>
+          <a:p>
+            <a:pPr algn="ctr"/>
+            <a:r>
+              <a:rPr lang="pt-PT" sz="2000" dirty="0" smtClean="0"/>
+              <a:t>PHYLUM</a:t>
+            </a:r>
+            <a:endParaRPr lang="pt-PT" sz="2000" dirty="0"/>
+          </a:p>
+        </p:txBody>
+      </p:sp>
+      <p:sp>
+        <p:nvSpPr>
+          <p:cNvPr id="26" name="CaixaDeTexto 25"/>
+          <p:cNvSpPr txBox="1"/>
+          <p:nvPr/>
+        </p:nvSpPr>
+        <p:spPr>
+          <a:xfrm>
+            <a:off x="983033" y="1949899"/>
+            <a:ext cx="1719262" cy="400110"/>
+          </a:xfrm>
+          <a:prstGeom prst="rect">
+            <a:avLst/>
+          </a:prstGeom>
+          <a:gradFill flip="none" rotWithShape="1">
+            <a:gsLst>
+              <a:gs pos="33000">
+                <a:srgbClr val="7798B6"/>
+              </a:gs>
+              <a:gs pos="0">
+                <a:schemeClr val="accent1">
+                  <a:lumMod val="50000"/>
+                </a:schemeClr>
+              </a:gs>
+              <a:gs pos="89000">
+                <a:srgbClr val="A3BDD4"/>
+              </a:gs>
+              <a:gs pos="100000">
+                <a:schemeClr val="accent1">
+                  <a:lumMod val="30000"/>
+                  <a:lumOff val="70000"/>
+                </a:schemeClr>
+              </a:gs>
+            </a:gsLst>
+            <a:lin ang="16200000" scaled="1"/>
+            <a:tileRect/>
+          </a:gradFill>
+          <a:ln>
+            <a:noFill/>
+          </a:ln>
+          <a:effectLst/>
+        </p:spPr>
+        <p:txBody>
+          <a:bodyPr wrap="square" rtlCol="0" anchor="ctr" anchorCtr="0">
+            <a:spAutoFit/>
+          </a:bodyPr>
+          <a:lstStyle/>
+          <a:p>
+            <a:pPr algn="ctr"/>
+            <a:r>
+              <a:rPr lang="pt-PT" sz="2000" dirty="0" smtClean="0"/>
+              <a:t>CLASS</a:t>
+            </a:r>
+            <a:endParaRPr lang="pt-PT" sz="2000" dirty="0"/>
+          </a:p>
+        </p:txBody>
+      </p:sp>
+      <p:sp>
+        <p:nvSpPr>
+          <p:cNvPr id="28" name="CaixaDeTexto 27"/>
+          <p:cNvSpPr txBox="1"/>
+          <p:nvPr/>
+        </p:nvSpPr>
+        <p:spPr>
+          <a:xfrm>
+            <a:off x="1296380" y="2426864"/>
+            <a:ext cx="1719262" cy="400110"/>
+          </a:xfrm>
+          <a:prstGeom prst="rect">
+            <a:avLst/>
+          </a:prstGeom>
+          <a:gradFill flip="none" rotWithShape="1">
+            <a:gsLst>
+              <a:gs pos="33000">
+                <a:srgbClr val="7798B6"/>
+              </a:gs>
+              <a:gs pos="0">
+                <a:schemeClr val="accent1">
+                  <a:lumMod val="50000"/>
+                </a:schemeClr>
+              </a:gs>
+              <a:gs pos="89000">
+                <a:srgbClr val="A3BDD4"/>
+              </a:gs>
+              <a:gs pos="100000">
+                <a:schemeClr val="accent1">
+                  <a:lumMod val="30000"/>
+                  <a:lumOff val="70000"/>
+                </a:schemeClr>
+              </a:gs>
+            </a:gsLst>
+            <a:lin ang="16200000" scaled="1"/>
+            <a:tileRect/>
+          </a:gradFill>
+          <a:ln>
+            <a:noFill/>
+          </a:ln>
+          <a:effectLst/>
+        </p:spPr>
+        <p:txBody>
+          <a:bodyPr wrap="square" rtlCol="0">
+            <a:spAutoFit/>
+          </a:bodyPr>
+          <a:lstStyle/>
+          <a:p>
+            <a:pPr algn="ctr"/>
+            <a:r>
+              <a:rPr lang="pt-PT" sz="2000" dirty="0" smtClean="0"/>
+              <a:t>ORDER</a:t>
+            </a:r>
+            <a:endParaRPr lang="pt-PT" sz="2000" dirty="0"/>
+          </a:p>
+        </p:txBody>
+      </p:sp>
+      <p:sp>
+        <p:nvSpPr>
+          <p:cNvPr id="38" name="CaixaDeTexto 37"/>
+          <p:cNvSpPr txBox="1"/>
+          <p:nvPr/>
+        </p:nvSpPr>
+        <p:spPr>
+          <a:xfrm>
+            <a:off x="1609727" y="2903829"/>
+            <a:ext cx="1719262" cy="400110"/>
+          </a:xfrm>
+          <a:prstGeom prst="rect">
+            <a:avLst/>
+          </a:prstGeom>
+          <a:gradFill flip="none" rotWithShape="1">
+            <a:gsLst>
+              <a:gs pos="33000">
+                <a:srgbClr val="7798B6"/>
+              </a:gs>
+              <a:gs pos="0">
+                <a:schemeClr val="accent1">
+                  <a:lumMod val="50000"/>
+                </a:schemeClr>
+              </a:gs>
+              <a:gs pos="89000">
+                <a:srgbClr val="A3BDD4"/>
+              </a:gs>
+              <a:gs pos="100000">
+                <a:schemeClr val="accent1">
+                  <a:lumMod val="30000"/>
+                  <a:lumOff val="70000"/>
+                </a:schemeClr>
+              </a:gs>
+            </a:gsLst>
+            <a:lin ang="16200000" scaled="1"/>
+            <a:tileRect/>
+          </a:gradFill>
+          <a:ln>
+            <a:noFill/>
+          </a:ln>
+          <a:effectLst/>
+        </p:spPr>
+        <p:txBody>
+          <a:bodyPr wrap="square" rtlCol="0">
+            <a:spAutoFit/>
+          </a:bodyPr>
+          <a:lstStyle/>
+          <a:p>
+            <a:pPr algn="ctr"/>
+            <a:r>
+              <a:rPr lang="pt-PT" sz="2000" dirty="0" smtClean="0"/>
+              <a:t>FAMILY</a:t>
+            </a:r>
+            <a:endParaRPr lang="pt-PT" sz="2000" dirty="0"/>
+          </a:p>
+        </p:txBody>
+      </p:sp>
+      <p:sp>
+        <p:nvSpPr>
+          <p:cNvPr id="41" name="CaixaDeTexto 40"/>
+          <p:cNvSpPr txBox="1"/>
+          <p:nvPr/>
+        </p:nvSpPr>
+        <p:spPr>
+          <a:xfrm>
+            <a:off x="1923074" y="3380794"/>
+            <a:ext cx="1719262" cy="400110"/>
+          </a:xfrm>
+          <a:prstGeom prst="rect">
+            <a:avLst/>
+          </a:prstGeom>
+          <a:gradFill flip="none" rotWithShape="1">
+            <a:gsLst>
+              <a:gs pos="33000">
+                <a:srgbClr val="7798B6"/>
+              </a:gs>
+              <a:gs pos="0">
+                <a:schemeClr val="accent1">
+                  <a:lumMod val="50000"/>
+                </a:schemeClr>
+              </a:gs>
+              <a:gs pos="89000">
+                <a:srgbClr val="A3BDD4"/>
+              </a:gs>
+              <a:gs pos="100000">
+                <a:schemeClr val="accent1">
+                  <a:lumMod val="30000"/>
+                  <a:lumOff val="70000"/>
+                </a:schemeClr>
+              </a:gs>
+            </a:gsLst>
+            <a:lin ang="16200000" scaled="1"/>
+            <a:tileRect/>
+          </a:gradFill>
+          <a:ln>
+            <a:noFill/>
+          </a:ln>
+          <a:effectLst/>
+        </p:spPr>
+        <p:txBody>
+          <a:bodyPr wrap="square" rtlCol="0">
+            <a:spAutoFit/>
+          </a:bodyPr>
+          <a:lstStyle/>
+          <a:p>
+            <a:pPr algn="ctr"/>
+            <a:r>
+              <a:rPr lang="pt-PT" sz="2000" dirty="0" smtClean="0"/>
+              <a:t>GENUS</a:t>
+            </a:r>
+            <a:endParaRPr lang="pt-PT" sz="2000" dirty="0"/>
+          </a:p>
+        </p:txBody>
+      </p:sp>
+      <p:sp>
+        <p:nvSpPr>
+          <p:cNvPr id="52" name="CaixaDeTexto 51"/>
+          <p:cNvSpPr txBox="1"/>
+          <p:nvPr/>
+        </p:nvSpPr>
+        <p:spPr>
+          <a:xfrm>
+            <a:off x="2158032" y="3857759"/>
+            <a:ext cx="1719262" cy="400110"/>
+          </a:xfrm>
+          <a:prstGeom prst="rect">
+            <a:avLst/>
+          </a:prstGeom>
+          <a:gradFill flip="none" rotWithShape="1">
+            <a:gsLst>
+              <a:gs pos="33000">
+                <a:srgbClr val="7798B6"/>
+              </a:gs>
+              <a:gs pos="0">
+                <a:schemeClr val="accent1">
+                  <a:lumMod val="50000"/>
+                </a:schemeClr>
+              </a:gs>
+              <a:gs pos="89000">
+                <a:srgbClr val="A3BDD4"/>
+              </a:gs>
+              <a:gs pos="100000">
+                <a:schemeClr val="accent1">
+                  <a:lumMod val="30000"/>
+                  <a:lumOff val="70000"/>
+                </a:schemeClr>
+              </a:gs>
+            </a:gsLst>
+            <a:lin ang="16200000" scaled="1"/>
+            <a:tileRect/>
+          </a:gradFill>
+          <a:ln>
+            <a:noFill/>
+          </a:ln>
+          <a:effectLst/>
+        </p:spPr>
+        <p:txBody>
+          <a:bodyPr wrap="square" rtlCol="0">
+            <a:spAutoFit/>
+          </a:bodyPr>
+          <a:lstStyle/>
+          <a:p>
+            <a:pPr algn="ctr"/>
+            <a:r>
+              <a:rPr lang="pt-PT" sz="2000" dirty="0" smtClean="0"/>
+              <a:t>SPECIES</a:t>
+            </a:r>
+            <a:endParaRPr lang="pt-PT" sz="2000" dirty="0"/>
+          </a:p>
+        </p:txBody>
+      </p:sp>
       <p:grpSp>
         <p:nvGrpSpPr>
-          <p:cNvPr id="5" name="Grupo 4"/>
+          <p:cNvPr id="82" name="Grupo 81"/>
           <p:cNvGrpSpPr/>
           <p:nvPr/>
         </p:nvGrpSpPr>
         <p:grpSpPr>
           <a:xfrm>
-            <a:off x="653588" y="1519741"/>
-            <a:ext cx="1719262" cy="402464"/>
-            <a:chOff x="582151" y="1031772"/>
-            <a:chExt cx="1719262" cy="654686"/>
+            <a:off x="706745" y="5722622"/>
+            <a:ext cx="5834832" cy="2961339"/>
+            <a:chOff x="706745" y="5722622"/>
+            <a:chExt cx="5834832" cy="2961339"/>
           </a:xfrm>
         </p:grpSpPr>
-        <p:sp>
-          <p:nvSpPr>
-            <p:cNvPr id="22" name="Retângulo arredondado 21"/>
-            <p:cNvSpPr/>
+        <p:grpSp>
+          <p:nvGrpSpPr>
+            <p:cNvPr id="17" name="Grupo 16"/>
+            <p:cNvGrpSpPr/>
             <p:nvPr/>
-          </p:nvSpPr>
-          <p:spPr>
+          </p:nvGrpSpPr>
+          <p:grpSpPr>
             <a:xfrm>
-              <a:off x="582151" y="1031772"/>
-              <a:ext cx="1657350" cy="527050"/>
+              <a:off x="706745" y="5722622"/>
+              <a:ext cx="1426008" cy="2482038"/>
+              <a:chOff x="353548" y="5674786"/>
+              <a:chExt cx="1426008" cy="2482038"/>
             </a:xfrm>
-            <a:prstGeom prst="roundRect">
-              <a:avLst/>
-            </a:prstGeom>
-          </p:spPr>
-          <p:style>
-            <a:lnRef idx="2">
-              <a:schemeClr val="accent1">
-                <a:shade val="50000"/>
-              </a:schemeClr>
-            </a:lnRef>
-            <a:fillRef idx="1">
-              <a:schemeClr val="accent1"/>
-            </a:fillRef>
-            <a:effectRef idx="0">
-              <a:schemeClr val="accent1"/>
-            </a:effectRef>
-            <a:fontRef idx="minor">
-              <a:schemeClr val="lt1"/>
-            </a:fontRef>
-          </p:style>
-          <p:txBody>
-            <a:bodyPr rtlCol="0" anchor="ctr"/>
-            <a:lstStyle/>
-            <a:p>
-              <a:pPr algn="ctr"/>
-              <a:endParaRPr lang="pt-PT" sz="1400"/>
-            </a:p>
-          </p:txBody>
-        </p:sp>
-        <p:sp>
-          <p:nvSpPr>
-            <p:cNvPr id="14" name="CaixaDeTexto 13"/>
-            <p:cNvSpPr txBox="1"/>
+          </p:grpSpPr>
+          <p:sp>
+            <p:nvSpPr>
+              <p:cNvPr id="49" name="Retângulo arredondado 48"/>
+              <p:cNvSpPr/>
+              <p:nvPr/>
+            </p:nvSpPr>
+            <p:spPr>
+              <a:xfrm>
+                <a:off x="353548" y="6393574"/>
+                <a:ext cx="1426008" cy="325671"/>
+              </a:xfrm>
+              <a:prstGeom prst="roundRect">
+                <a:avLst>
+                  <a:gd name="adj" fmla="val 27012"/>
+                </a:avLst>
+              </a:prstGeom>
+              <a:gradFill>
+                <a:gsLst>
+                  <a:gs pos="55000">
+                    <a:srgbClr val="7798B6"/>
+                  </a:gs>
+                  <a:gs pos="9000">
+                    <a:schemeClr val="accent1">
+                      <a:lumMod val="50000"/>
+                    </a:schemeClr>
+                  </a:gs>
+                  <a:gs pos="96000">
+                    <a:srgbClr val="A3BDD4"/>
+                  </a:gs>
+                  <a:gs pos="100000">
+                    <a:schemeClr val="accent1">
+                      <a:lumMod val="30000"/>
+                      <a:lumOff val="70000"/>
+                    </a:schemeClr>
+                  </a:gs>
+                </a:gsLst>
+                <a:lin ang="16200000" scaled="1"/>
+              </a:gradFill>
+              <a:ln>
+                <a:noFill/>
+              </a:ln>
+            </p:spPr>
+            <p:style>
+              <a:lnRef idx="2">
+                <a:schemeClr val="accent1">
+                  <a:shade val="50000"/>
+                </a:schemeClr>
+              </a:lnRef>
+              <a:fillRef idx="1">
+                <a:schemeClr val="accent1"/>
+              </a:fillRef>
+              <a:effectRef idx="0">
+                <a:schemeClr val="accent1"/>
+              </a:effectRef>
+              <a:fontRef idx="minor">
+                <a:schemeClr val="lt1"/>
+              </a:fontRef>
+            </p:style>
+            <p:txBody>
+              <a:bodyPr rtlCol="0" anchor="ctr"/>
+              <a:lstStyle/>
+              <a:p>
+                <a:pPr algn="ctr"/>
+                <a:r>
+                  <a:rPr lang="pt-PT" sz="1200" dirty="0" smtClean="0"/>
+                  <a:t>CLASS</a:t>
+                </a:r>
+                <a:endParaRPr lang="pt-PT" sz="1200" dirty="0"/>
+              </a:p>
+            </p:txBody>
+          </p:sp>
+          <p:sp>
+            <p:nvSpPr>
+              <p:cNvPr id="50" name="Retângulo arredondado 49"/>
+              <p:cNvSpPr/>
+              <p:nvPr/>
+            </p:nvSpPr>
+            <p:spPr>
+              <a:xfrm>
+                <a:off x="353548" y="7831153"/>
+                <a:ext cx="1426008" cy="325671"/>
+              </a:xfrm>
+              <a:prstGeom prst="roundRect">
+                <a:avLst>
+                  <a:gd name="adj" fmla="val 27012"/>
+                </a:avLst>
+              </a:prstGeom>
+              <a:gradFill>
+                <a:gsLst>
+                  <a:gs pos="55000">
+                    <a:srgbClr val="7798B6"/>
+                  </a:gs>
+                  <a:gs pos="9000">
+                    <a:schemeClr val="accent1">
+                      <a:lumMod val="50000"/>
+                    </a:schemeClr>
+                  </a:gs>
+                  <a:gs pos="96000">
+                    <a:srgbClr val="A3BDD4"/>
+                  </a:gs>
+                  <a:gs pos="100000">
+                    <a:schemeClr val="accent1">
+                      <a:lumMod val="30000"/>
+                      <a:lumOff val="70000"/>
+                    </a:schemeClr>
+                  </a:gs>
+                </a:gsLst>
+                <a:lin ang="16200000" scaled="1"/>
+              </a:gradFill>
+              <a:ln>
+                <a:noFill/>
+              </a:ln>
+            </p:spPr>
+            <p:style>
+              <a:lnRef idx="2">
+                <a:schemeClr val="accent1">
+                  <a:shade val="50000"/>
+                </a:schemeClr>
+              </a:lnRef>
+              <a:fillRef idx="1">
+                <a:schemeClr val="accent1"/>
+              </a:fillRef>
+              <a:effectRef idx="0">
+                <a:schemeClr val="accent1"/>
+              </a:effectRef>
+              <a:fontRef idx="minor">
+                <a:schemeClr val="lt1"/>
+              </a:fontRef>
+            </p:style>
+            <p:txBody>
+              <a:bodyPr rtlCol="0" anchor="ctr"/>
+              <a:lstStyle/>
+              <a:p>
+                <a:pPr algn="ctr"/>
+                <a:r>
+                  <a:rPr lang="pt-PT" sz="1200" dirty="0"/>
+                  <a:t>SPECIES</a:t>
+                </a:r>
+              </a:p>
+            </p:txBody>
+          </p:sp>
+          <p:sp>
+            <p:nvSpPr>
+              <p:cNvPr id="51" name="Retângulo arredondado 50"/>
+              <p:cNvSpPr/>
+              <p:nvPr/>
+            </p:nvSpPr>
+            <p:spPr>
+              <a:xfrm>
+                <a:off x="353548" y="7471756"/>
+                <a:ext cx="1426008" cy="325671"/>
+              </a:xfrm>
+              <a:prstGeom prst="roundRect">
+                <a:avLst>
+                  <a:gd name="adj" fmla="val 27012"/>
+                </a:avLst>
+              </a:prstGeom>
+              <a:gradFill>
+                <a:gsLst>
+                  <a:gs pos="55000">
+                    <a:srgbClr val="7798B6"/>
+                  </a:gs>
+                  <a:gs pos="9000">
+                    <a:schemeClr val="accent1">
+                      <a:lumMod val="50000"/>
+                    </a:schemeClr>
+                  </a:gs>
+                  <a:gs pos="96000">
+                    <a:srgbClr val="A3BDD4"/>
+                  </a:gs>
+                  <a:gs pos="100000">
+                    <a:schemeClr val="accent1">
+                      <a:lumMod val="30000"/>
+                      <a:lumOff val="70000"/>
+                    </a:schemeClr>
+                  </a:gs>
+                </a:gsLst>
+                <a:lin ang="16200000" scaled="1"/>
+              </a:gradFill>
+              <a:ln>
+                <a:noFill/>
+              </a:ln>
+            </p:spPr>
+            <p:style>
+              <a:lnRef idx="2">
+                <a:schemeClr val="accent1">
+                  <a:shade val="50000"/>
+                </a:schemeClr>
+              </a:lnRef>
+              <a:fillRef idx="1">
+                <a:schemeClr val="accent1"/>
+              </a:fillRef>
+              <a:effectRef idx="0">
+                <a:schemeClr val="accent1"/>
+              </a:effectRef>
+              <a:fontRef idx="minor">
+                <a:schemeClr val="lt1"/>
+              </a:fontRef>
+            </p:style>
+            <p:txBody>
+              <a:bodyPr rtlCol="0" anchor="ctr"/>
+              <a:lstStyle/>
+              <a:p>
+                <a:pPr algn="ctr"/>
+                <a:r>
+                  <a:rPr lang="pt-PT" sz="1200" dirty="0" smtClean="0"/>
+                  <a:t>GENUS</a:t>
+                </a:r>
+                <a:endParaRPr lang="pt-PT" sz="1200" dirty="0"/>
+              </a:p>
+            </p:txBody>
+          </p:sp>
+          <p:sp>
+            <p:nvSpPr>
+              <p:cNvPr id="53" name="Retângulo arredondado 52"/>
+              <p:cNvSpPr/>
+              <p:nvPr/>
+            </p:nvSpPr>
+            <p:spPr>
+              <a:xfrm>
+                <a:off x="353548" y="7112362"/>
+                <a:ext cx="1426008" cy="325671"/>
+              </a:xfrm>
+              <a:prstGeom prst="roundRect">
+                <a:avLst>
+                  <a:gd name="adj" fmla="val 27012"/>
+                </a:avLst>
+              </a:prstGeom>
+              <a:gradFill>
+                <a:gsLst>
+                  <a:gs pos="55000">
+                    <a:srgbClr val="7798B6"/>
+                  </a:gs>
+                  <a:gs pos="9000">
+                    <a:schemeClr val="accent1">
+                      <a:lumMod val="50000"/>
+                    </a:schemeClr>
+                  </a:gs>
+                  <a:gs pos="96000">
+                    <a:srgbClr val="A3BDD4"/>
+                  </a:gs>
+                  <a:gs pos="100000">
+                    <a:schemeClr val="accent1">
+                      <a:lumMod val="30000"/>
+                      <a:lumOff val="70000"/>
+                    </a:schemeClr>
+                  </a:gs>
+                </a:gsLst>
+                <a:lin ang="16200000" scaled="1"/>
+              </a:gradFill>
+              <a:ln>
+                <a:noFill/>
+              </a:ln>
+            </p:spPr>
+            <p:style>
+              <a:lnRef idx="2">
+                <a:schemeClr val="accent1">
+                  <a:shade val="50000"/>
+                </a:schemeClr>
+              </a:lnRef>
+              <a:fillRef idx="1">
+                <a:schemeClr val="accent1"/>
+              </a:fillRef>
+              <a:effectRef idx="0">
+                <a:schemeClr val="accent1"/>
+              </a:effectRef>
+              <a:fontRef idx="minor">
+                <a:schemeClr val="lt1"/>
+              </a:fontRef>
+            </p:style>
+            <p:txBody>
+              <a:bodyPr rtlCol="0" anchor="ctr"/>
+              <a:lstStyle/>
+              <a:p>
+                <a:pPr algn="ctr"/>
+                <a:r>
+                  <a:rPr lang="pt-PT" sz="1200" dirty="0" smtClean="0"/>
+                  <a:t>FAMILY</a:t>
+                </a:r>
+                <a:endParaRPr lang="pt-PT" sz="1200" dirty="0"/>
+              </a:p>
+            </p:txBody>
+          </p:sp>
+          <p:sp>
+            <p:nvSpPr>
+              <p:cNvPr id="54" name="Retângulo arredondado 53"/>
+              <p:cNvSpPr/>
+              <p:nvPr/>
+            </p:nvSpPr>
+            <p:spPr>
+              <a:xfrm>
+                <a:off x="353548" y="6752968"/>
+                <a:ext cx="1426008" cy="325671"/>
+              </a:xfrm>
+              <a:prstGeom prst="roundRect">
+                <a:avLst>
+                  <a:gd name="adj" fmla="val 27012"/>
+                </a:avLst>
+              </a:prstGeom>
+              <a:gradFill>
+                <a:gsLst>
+                  <a:gs pos="55000">
+                    <a:srgbClr val="7798B6"/>
+                  </a:gs>
+                  <a:gs pos="9000">
+                    <a:schemeClr val="accent1">
+                      <a:lumMod val="50000"/>
+                    </a:schemeClr>
+                  </a:gs>
+                  <a:gs pos="96000">
+                    <a:srgbClr val="A3BDD4"/>
+                  </a:gs>
+                  <a:gs pos="100000">
+                    <a:schemeClr val="accent1">
+                      <a:lumMod val="30000"/>
+                      <a:lumOff val="70000"/>
+                    </a:schemeClr>
+                  </a:gs>
+                </a:gsLst>
+                <a:lin ang="16200000" scaled="1"/>
+              </a:gradFill>
+              <a:ln>
+                <a:noFill/>
+              </a:ln>
+            </p:spPr>
+            <p:style>
+              <a:lnRef idx="2">
+                <a:schemeClr val="accent1">
+                  <a:shade val="50000"/>
+                </a:schemeClr>
+              </a:lnRef>
+              <a:fillRef idx="1">
+                <a:schemeClr val="accent1"/>
+              </a:fillRef>
+              <a:effectRef idx="0">
+                <a:schemeClr val="accent1"/>
+              </a:effectRef>
+              <a:fontRef idx="minor">
+                <a:schemeClr val="lt1"/>
+              </a:fontRef>
+            </p:style>
+            <p:txBody>
+              <a:bodyPr rtlCol="0" anchor="ctr"/>
+              <a:lstStyle/>
+              <a:p>
+                <a:pPr algn="ctr"/>
+                <a:r>
+                  <a:rPr lang="pt-PT" sz="1200" dirty="0" smtClean="0"/>
+                  <a:t>ORDER</a:t>
+                </a:r>
+                <a:endParaRPr lang="pt-PT" sz="1200" dirty="0"/>
+              </a:p>
+            </p:txBody>
+          </p:sp>
+          <p:sp>
+            <p:nvSpPr>
+              <p:cNvPr id="55" name="Retângulo arredondado 54"/>
+              <p:cNvSpPr/>
+              <p:nvPr/>
+            </p:nvSpPr>
+            <p:spPr>
+              <a:xfrm>
+                <a:off x="353548" y="6034180"/>
+                <a:ext cx="1426008" cy="325671"/>
+              </a:xfrm>
+              <a:prstGeom prst="roundRect">
+                <a:avLst>
+                  <a:gd name="adj" fmla="val 27012"/>
+                </a:avLst>
+              </a:prstGeom>
+              <a:gradFill>
+                <a:gsLst>
+                  <a:gs pos="55000">
+                    <a:srgbClr val="7798B6"/>
+                  </a:gs>
+                  <a:gs pos="9000">
+                    <a:schemeClr val="accent1">
+                      <a:lumMod val="50000"/>
+                    </a:schemeClr>
+                  </a:gs>
+                  <a:gs pos="96000">
+                    <a:srgbClr val="A3BDD4"/>
+                  </a:gs>
+                  <a:gs pos="100000">
+                    <a:schemeClr val="accent1">
+                      <a:lumMod val="30000"/>
+                      <a:lumOff val="70000"/>
+                    </a:schemeClr>
+                  </a:gs>
+                </a:gsLst>
+                <a:lin ang="16200000" scaled="1"/>
+              </a:gradFill>
+              <a:ln>
+                <a:noFill/>
+              </a:ln>
+            </p:spPr>
+            <p:style>
+              <a:lnRef idx="2">
+                <a:schemeClr val="accent1">
+                  <a:shade val="50000"/>
+                </a:schemeClr>
+              </a:lnRef>
+              <a:fillRef idx="1">
+                <a:schemeClr val="accent1"/>
+              </a:fillRef>
+              <a:effectRef idx="0">
+                <a:schemeClr val="accent1"/>
+              </a:effectRef>
+              <a:fontRef idx="minor">
+                <a:schemeClr val="lt1"/>
+              </a:fontRef>
+            </p:style>
+            <p:txBody>
+              <a:bodyPr rtlCol="0" anchor="ctr"/>
+              <a:lstStyle/>
+              <a:p>
+                <a:pPr algn="ctr"/>
+                <a:r>
+                  <a:rPr lang="pt-PT" sz="1200" dirty="0" smtClean="0"/>
+                  <a:t>PHYLUM</a:t>
+                </a:r>
+                <a:endParaRPr lang="pt-PT" sz="1200" dirty="0"/>
+              </a:p>
+            </p:txBody>
+          </p:sp>
+          <p:sp>
+            <p:nvSpPr>
+              <p:cNvPr id="56" name="Retângulo arredondado 55"/>
+              <p:cNvSpPr/>
+              <p:nvPr/>
+            </p:nvSpPr>
+            <p:spPr>
+              <a:xfrm>
+                <a:off x="353548" y="5674786"/>
+                <a:ext cx="1426008" cy="325671"/>
+              </a:xfrm>
+              <a:prstGeom prst="roundRect">
+                <a:avLst>
+                  <a:gd name="adj" fmla="val 27012"/>
+                </a:avLst>
+              </a:prstGeom>
+              <a:gradFill>
+                <a:gsLst>
+                  <a:gs pos="55000">
+                    <a:srgbClr val="7798B6"/>
+                  </a:gs>
+                  <a:gs pos="9000">
+                    <a:schemeClr val="accent1">
+                      <a:lumMod val="50000"/>
+                    </a:schemeClr>
+                  </a:gs>
+                  <a:gs pos="96000">
+                    <a:srgbClr val="A3BDD4"/>
+                  </a:gs>
+                  <a:gs pos="100000">
+                    <a:schemeClr val="accent1">
+                      <a:lumMod val="30000"/>
+                      <a:lumOff val="70000"/>
+                    </a:schemeClr>
+                  </a:gs>
+                </a:gsLst>
+                <a:lin ang="16200000" scaled="1"/>
+              </a:gradFill>
+              <a:ln>
+                <a:noFill/>
+              </a:ln>
+            </p:spPr>
+            <p:style>
+              <a:lnRef idx="2">
+                <a:schemeClr val="accent1">
+                  <a:shade val="50000"/>
+                </a:schemeClr>
+              </a:lnRef>
+              <a:fillRef idx="1">
+                <a:schemeClr val="accent1"/>
+              </a:fillRef>
+              <a:effectRef idx="0">
+                <a:schemeClr val="accent1"/>
+              </a:effectRef>
+              <a:fontRef idx="minor">
+                <a:schemeClr val="lt1"/>
+              </a:fontRef>
+            </p:style>
+            <p:txBody>
+              <a:bodyPr rtlCol="0" anchor="ctr"/>
+              <a:lstStyle/>
+              <a:p>
+                <a:pPr algn="ctr"/>
+                <a:r>
+                  <a:rPr lang="pt-PT" sz="1200" dirty="0" smtClean="0"/>
+                  <a:t>KINGDOM</a:t>
+                </a:r>
+                <a:endParaRPr lang="pt-PT" sz="1200" dirty="0"/>
+              </a:p>
+            </p:txBody>
+          </p:sp>
+        </p:grpSp>
+        <p:grpSp>
+          <p:nvGrpSpPr>
+            <p:cNvPr id="81" name="Grupo 80"/>
+            <p:cNvGrpSpPr/>
             <p:nvPr/>
-          </p:nvSpPr>
-          <p:spPr>
+          </p:nvGrpSpPr>
+          <p:grpSpPr>
             <a:xfrm>
-              <a:off x="582151" y="1035601"/>
-              <a:ext cx="1719262" cy="650857"/>
+              <a:off x="2176353" y="5722622"/>
+              <a:ext cx="4365224" cy="2961339"/>
+              <a:chOff x="2176353" y="5722622"/>
+              <a:chExt cx="4365224" cy="2961339"/>
             </a:xfrm>
-            <a:prstGeom prst="rect">
-              <a:avLst/>
-            </a:prstGeom>
-            <a:noFill/>
-          </p:spPr>
-          <p:txBody>
-            <a:bodyPr wrap="square" rtlCol="0">
-              <a:spAutoFit/>
-            </a:bodyPr>
-            <a:lstStyle/>
-            <a:p>
-              <a:r>
-                <a:rPr lang="pt-PT" sz="2000" dirty="0" smtClean="0"/>
-                <a:t>KINGDOM</a:t>
-              </a:r>
-              <a:endParaRPr lang="pt-PT" sz="2000" dirty="0"/>
-            </a:p>
-          </p:txBody>
-        </p:sp>
-      </p:grpSp>
-      <p:grpSp>
-        <p:nvGrpSpPr>
-          <p:cNvPr id="4" name="Grupo 3"/>
-          <p:cNvGrpSpPr/>
-          <p:nvPr/>
-        </p:nvGrpSpPr>
-        <p:grpSpPr>
-          <a:xfrm>
-            <a:off x="1029225" y="2047552"/>
-            <a:ext cx="1719262" cy="402464"/>
-            <a:chOff x="1007601" y="1698522"/>
-            <a:chExt cx="1719262" cy="654686"/>
-          </a:xfrm>
-        </p:grpSpPr>
-        <p:sp>
-          <p:nvSpPr>
-            <p:cNvPr id="23" name="Retângulo arredondado 22"/>
-            <p:cNvSpPr/>
-            <p:nvPr/>
-          </p:nvSpPr>
-          <p:spPr>
-            <a:xfrm>
-              <a:off x="1007601" y="1698522"/>
-              <a:ext cx="1657350" cy="527050"/>
-            </a:xfrm>
-            <a:prstGeom prst="roundRect">
-              <a:avLst/>
-            </a:prstGeom>
-          </p:spPr>
-          <p:style>
-            <a:lnRef idx="2">
-              <a:schemeClr val="accent1">
-                <a:shade val="50000"/>
-              </a:schemeClr>
-            </a:lnRef>
-            <a:fillRef idx="1">
-              <a:schemeClr val="accent1"/>
-            </a:fillRef>
-            <a:effectRef idx="0">
-              <a:schemeClr val="accent1"/>
-            </a:effectRef>
-            <a:fontRef idx="minor">
-              <a:schemeClr val="lt1"/>
-            </a:fontRef>
-          </p:style>
-          <p:txBody>
-            <a:bodyPr rtlCol="0" anchor="ctr"/>
-            <a:lstStyle/>
-            <a:p>
-              <a:pPr algn="ctr"/>
-              <a:endParaRPr lang="pt-PT" sz="1400"/>
-            </a:p>
-          </p:txBody>
-        </p:sp>
-        <p:sp>
-          <p:nvSpPr>
-            <p:cNvPr id="24" name="CaixaDeTexto 23"/>
-            <p:cNvSpPr txBox="1"/>
-            <p:nvPr/>
-          </p:nvSpPr>
-          <p:spPr>
-            <a:xfrm>
-              <a:off x="1007601" y="1702351"/>
-              <a:ext cx="1719262" cy="650857"/>
-            </a:xfrm>
-            <a:prstGeom prst="rect">
-              <a:avLst/>
-            </a:prstGeom>
-            <a:noFill/>
-          </p:spPr>
-          <p:txBody>
-            <a:bodyPr wrap="square" rtlCol="0">
-              <a:spAutoFit/>
-            </a:bodyPr>
-            <a:lstStyle/>
-            <a:p>
-              <a:pPr algn="ctr"/>
-              <a:r>
-                <a:rPr lang="pt-PT" sz="2000" dirty="0" smtClean="0"/>
-                <a:t>PHYLUM</a:t>
-              </a:r>
-              <a:endParaRPr lang="pt-PT" sz="2000" dirty="0"/>
-            </a:p>
-          </p:txBody>
-        </p:sp>
-      </p:grpSp>
-      <p:grpSp>
-        <p:nvGrpSpPr>
-          <p:cNvPr id="3" name="Grupo 2"/>
-          <p:cNvGrpSpPr/>
-          <p:nvPr/>
-        </p:nvGrpSpPr>
-        <p:grpSpPr>
-          <a:xfrm>
-            <a:off x="1404862" y="2575363"/>
-            <a:ext cx="1719262" cy="402464"/>
-            <a:chOff x="1379870" y="2352572"/>
-            <a:chExt cx="1719262" cy="654686"/>
-          </a:xfrm>
-        </p:grpSpPr>
-        <p:sp>
-          <p:nvSpPr>
-            <p:cNvPr id="25" name="Retângulo arredondado 24"/>
-            <p:cNvSpPr/>
-            <p:nvPr/>
-          </p:nvSpPr>
-          <p:spPr>
-            <a:xfrm>
-              <a:off x="1379870" y="2352572"/>
-              <a:ext cx="1657350" cy="527050"/>
-            </a:xfrm>
-            <a:prstGeom prst="roundRect">
-              <a:avLst/>
-            </a:prstGeom>
-          </p:spPr>
-          <p:style>
-            <a:lnRef idx="2">
-              <a:schemeClr val="accent1">
-                <a:shade val="50000"/>
-              </a:schemeClr>
-            </a:lnRef>
-            <a:fillRef idx="1">
-              <a:schemeClr val="accent1"/>
-            </a:fillRef>
-            <a:effectRef idx="0">
-              <a:schemeClr val="accent1"/>
-            </a:effectRef>
-            <a:fontRef idx="minor">
-              <a:schemeClr val="lt1"/>
-            </a:fontRef>
-          </p:style>
-          <p:txBody>
-            <a:bodyPr rtlCol="0" anchor="ctr"/>
-            <a:lstStyle/>
-            <a:p>
-              <a:pPr algn="ctr"/>
-              <a:endParaRPr lang="pt-PT" sz="1400"/>
-            </a:p>
-          </p:txBody>
-        </p:sp>
-        <p:sp>
-          <p:nvSpPr>
-            <p:cNvPr id="26" name="CaixaDeTexto 25"/>
-            <p:cNvSpPr txBox="1"/>
-            <p:nvPr/>
-          </p:nvSpPr>
-          <p:spPr>
-            <a:xfrm>
-              <a:off x="1379870" y="2356401"/>
-              <a:ext cx="1719262" cy="650857"/>
-            </a:xfrm>
-            <a:prstGeom prst="rect">
-              <a:avLst/>
-            </a:prstGeom>
-            <a:noFill/>
-          </p:spPr>
-          <p:txBody>
-            <a:bodyPr wrap="square" rtlCol="0">
-              <a:spAutoFit/>
-            </a:bodyPr>
-            <a:lstStyle/>
-            <a:p>
-              <a:pPr algn="ctr"/>
-              <a:r>
-                <a:rPr lang="pt-PT" sz="2000" dirty="0" smtClean="0"/>
-                <a:t>CLASS</a:t>
-              </a:r>
-              <a:endParaRPr lang="pt-PT" sz="2000" dirty="0"/>
-            </a:p>
-          </p:txBody>
-        </p:sp>
-      </p:grpSp>
-      <p:grpSp>
-        <p:nvGrpSpPr>
-          <p:cNvPr id="2" name="Grupo 1"/>
-          <p:cNvGrpSpPr/>
-          <p:nvPr/>
-        </p:nvGrpSpPr>
-        <p:grpSpPr>
-          <a:xfrm>
-            <a:off x="1780499" y="3103173"/>
-            <a:ext cx="1719262" cy="402464"/>
-            <a:chOff x="1754520" y="2993922"/>
-            <a:chExt cx="1719262" cy="654686"/>
-          </a:xfrm>
-        </p:grpSpPr>
-        <p:sp>
-          <p:nvSpPr>
-            <p:cNvPr id="27" name="Retângulo arredondado 26"/>
-            <p:cNvSpPr/>
-            <p:nvPr/>
-          </p:nvSpPr>
-          <p:spPr>
-            <a:xfrm>
-              <a:off x="1754520" y="2993922"/>
-              <a:ext cx="1657350" cy="527050"/>
-            </a:xfrm>
-            <a:prstGeom prst="roundRect">
-              <a:avLst/>
-            </a:prstGeom>
-          </p:spPr>
-          <p:style>
-            <a:lnRef idx="2">
-              <a:schemeClr val="accent1">
-                <a:shade val="50000"/>
-              </a:schemeClr>
-            </a:lnRef>
-            <a:fillRef idx="1">
-              <a:schemeClr val="accent1"/>
-            </a:fillRef>
-            <a:effectRef idx="0">
-              <a:schemeClr val="accent1"/>
-            </a:effectRef>
-            <a:fontRef idx="minor">
-              <a:schemeClr val="lt1"/>
-            </a:fontRef>
-          </p:style>
-          <p:txBody>
-            <a:bodyPr rtlCol="0" anchor="ctr"/>
-            <a:lstStyle/>
-            <a:p>
-              <a:pPr algn="ctr"/>
-              <a:endParaRPr lang="pt-PT" sz="1400"/>
-            </a:p>
-          </p:txBody>
-        </p:sp>
-        <p:sp>
-          <p:nvSpPr>
-            <p:cNvPr id="28" name="CaixaDeTexto 27"/>
-            <p:cNvSpPr txBox="1"/>
-            <p:nvPr/>
-          </p:nvSpPr>
-          <p:spPr>
-            <a:xfrm>
-              <a:off x="1754520" y="2997751"/>
-              <a:ext cx="1719262" cy="650857"/>
-            </a:xfrm>
-            <a:prstGeom prst="rect">
-              <a:avLst/>
-            </a:prstGeom>
-            <a:noFill/>
-          </p:spPr>
-          <p:txBody>
-            <a:bodyPr wrap="square" rtlCol="0">
-              <a:spAutoFit/>
-            </a:bodyPr>
-            <a:lstStyle/>
-            <a:p>
-              <a:pPr algn="ctr"/>
-              <a:r>
-                <a:rPr lang="pt-PT" sz="2000" dirty="0" smtClean="0"/>
-                <a:t>ORDER</a:t>
-              </a:r>
-              <a:endParaRPr lang="pt-PT" sz="2000" dirty="0"/>
-            </a:p>
-          </p:txBody>
-        </p:sp>
-      </p:grpSp>
-      <p:grpSp>
-        <p:nvGrpSpPr>
-          <p:cNvPr id="36" name="Grupo 35"/>
-          <p:cNvGrpSpPr/>
-          <p:nvPr/>
-        </p:nvGrpSpPr>
-        <p:grpSpPr>
-          <a:xfrm>
-            <a:off x="2156136" y="3630987"/>
-            <a:ext cx="1719262" cy="402464"/>
-            <a:chOff x="4298157" y="5704963"/>
-            <a:chExt cx="1719262" cy="654686"/>
-          </a:xfrm>
-        </p:grpSpPr>
-        <p:sp>
-          <p:nvSpPr>
-            <p:cNvPr id="37" name="Retângulo arredondado 36"/>
-            <p:cNvSpPr/>
-            <p:nvPr/>
-          </p:nvSpPr>
-          <p:spPr>
-            <a:xfrm>
-              <a:off x="4298157" y="5704963"/>
-              <a:ext cx="1657350" cy="527050"/>
-            </a:xfrm>
-            <a:prstGeom prst="roundRect">
-              <a:avLst/>
-            </a:prstGeom>
-          </p:spPr>
-          <p:style>
-            <a:lnRef idx="2">
-              <a:schemeClr val="accent1">
-                <a:shade val="50000"/>
-              </a:schemeClr>
-            </a:lnRef>
-            <a:fillRef idx="1">
-              <a:schemeClr val="accent1"/>
-            </a:fillRef>
-            <a:effectRef idx="0">
-              <a:schemeClr val="accent1"/>
-            </a:effectRef>
-            <a:fontRef idx="minor">
-              <a:schemeClr val="lt1"/>
-            </a:fontRef>
-          </p:style>
-          <p:txBody>
-            <a:bodyPr rtlCol="0" anchor="ctr"/>
-            <a:lstStyle/>
-            <a:p>
-              <a:pPr algn="ctr"/>
-              <a:endParaRPr lang="pt-PT" sz="1400"/>
-            </a:p>
-          </p:txBody>
-        </p:sp>
-        <p:sp>
-          <p:nvSpPr>
-            <p:cNvPr id="38" name="CaixaDeTexto 37"/>
-            <p:cNvSpPr txBox="1"/>
-            <p:nvPr/>
-          </p:nvSpPr>
-          <p:spPr>
-            <a:xfrm>
-              <a:off x="4298157" y="5708792"/>
-              <a:ext cx="1719262" cy="650857"/>
-            </a:xfrm>
-            <a:prstGeom prst="rect">
-              <a:avLst/>
-            </a:prstGeom>
-            <a:noFill/>
-          </p:spPr>
-          <p:txBody>
-            <a:bodyPr wrap="square" rtlCol="0">
-              <a:spAutoFit/>
-            </a:bodyPr>
-            <a:lstStyle/>
-            <a:p>
-              <a:pPr algn="ctr"/>
-              <a:r>
-                <a:rPr lang="pt-PT" sz="2000" dirty="0" smtClean="0"/>
-                <a:t>FAMILY</a:t>
-              </a:r>
-              <a:endParaRPr lang="pt-PT" sz="2000" dirty="0"/>
-            </a:p>
-          </p:txBody>
-        </p:sp>
-      </p:grpSp>
-      <p:grpSp>
-        <p:nvGrpSpPr>
-          <p:cNvPr id="39" name="Grupo 38"/>
-          <p:cNvGrpSpPr/>
-          <p:nvPr/>
-        </p:nvGrpSpPr>
-        <p:grpSpPr>
-          <a:xfrm>
-            <a:off x="2531773" y="4158797"/>
-            <a:ext cx="1719262" cy="402464"/>
-            <a:chOff x="4298157" y="5704963"/>
-            <a:chExt cx="1719262" cy="654686"/>
-          </a:xfrm>
-        </p:grpSpPr>
-        <p:sp>
-          <p:nvSpPr>
-            <p:cNvPr id="40" name="Retângulo arredondado 39"/>
-            <p:cNvSpPr/>
-            <p:nvPr/>
-          </p:nvSpPr>
-          <p:spPr>
-            <a:xfrm>
-              <a:off x="4298157" y="5704963"/>
-              <a:ext cx="1657350" cy="527050"/>
-            </a:xfrm>
-            <a:prstGeom prst="roundRect">
-              <a:avLst/>
-            </a:prstGeom>
-          </p:spPr>
-          <p:style>
-            <a:lnRef idx="2">
-              <a:schemeClr val="accent1">
-                <a:shade val="50000"/>
-              </a:schemeClr>
-            </a:lnRef>
-            <a:fillRef idx="1">
-              <a:schemeClr val="accent1"/>
-            </a:fillRef>
-            <a:effectRef idx="0">
-              <a:schemeClr val="accent1"/>
-            </a:effectRef>
-            <a:fontRef idx="minor">
-              <a:schemeClr val="lt1"/>
-            </a:fontRef>
-          </p:style>
-          <p:txBody>
-            <a:bodyPr rtlCol="0" anchor="ctr"/>
-            <a:lstStyle/>
-            <a:p>
-              <a:pPr algn="ctr"/>
-              <a:endParaRPr lang="pt-PT" sz="1400"/>
-            </a:p>
-          </p:txBody>
-        </p:sp>
-        <p:sp>
-          <p:nvSpPr>
-            <p:cNvPr id="41" name="CaixaDeTexto 40"/>
-            <p:cNvSpPr txBox="1"/>
-            <p:nvPr/>
-          </p:nvSpPr>
-          <p:spPr>
-            <a:xfrm>
-              <a:off x="4298157" y="5708792"/>
-              <a:ext cx="1719262" cy="650857"/>
-            </a:xfrm>
-            <a:prstGeom prst="rect">
-              <a:avLst/>
-            </a:prstGeom>
-            <a:noFill/>
-          </p:spPr>
-          <p:txBody>
-            <a:bodyPr wrap="square" rtlCol="0">
-              <a:spAutoFit/>
-            </a:bodyPr>
-            <a:lstStyle/>
-            <a:p>
-              <a:pPr algn="ctr"/>
-              <a:r>
-                <a:rPr lang="pt-PT" sz="2000" dirty="0" smtClean="0"/>
-                <a:t>GENUS</a:t>
-              </a:r>
-              <a:endParaRPr lang="pt-PT" sz="2000" dirty="0"/>
-            </a:p>
-          </p:txBody>
-        </p:sp>
-      </p:grpSp>
-      <p:grpSp>
-        <p:nvGrpSpPr>
-          <p:cNvPr id="35" name="Grupo 34"/>
-          <p:cNvGrpSpPr/>
-          <p:nvPr/>
-        </p:nvGrpSpPr>
-        <p:grpSpPr>
-          <a:xfrm>
-            <a:off x="2984811" y="4686609"/>
-            <a:ext cx="1719262" cy="402464"/>
-            <a:chOff x="4298157" y="5704963"/>
-            <a:chExt cx="1719262" cy="654686"/>
-          </a:xfrm>
-        </p:grpSpPr>
-        <p:sp>
-          <p:nvSpPr>
-            <p:cNvPr id="33" name="Retângulo arredondado 32"/>
-            <p:cNvSpPr/>
-            <p:nvPr/>
-          </p:nvSpPr>
-          <p:spPr>
-            <a:xfrm>
-              <a:off x="4298157" y="5704963"/>
-              <a:ext cx="1657350" cy="527050"/>
-            </a:xfrm>
-            <a:prstGeom prst="roundRect">
-              <a:avLst/>
-            </a:prstGeom>
-          </p:spPr>
-          <p:style>
-            <a:lnRef idx="2">
-              <a:schemeClr val="accent1">
-                <a:shade val="50000"/>
-              </a:schemeClr>
-            </a:lnRef>
-            <a:fillRef idx="1">
-              <a:schemeClr val="accent1"/>
-            </a:fillRef>
-            <a:effectRef idx="0">
-              <a:schemeClr val="accent1"/>
-            </a:effectRef>
-            <a:fontRef idx="minor">
-              <a:schemeClr val="lt1"/>
-            </a:fontRef>
-          </p:style>
-          <p:txBody>
-            <a:bodyPr rtlCol="0" anchor="ctr"/>
-            <a:lstStyle/>
-            <a:p>
-              <a:pPr algn="ctr"/>
-              <a:endParaRPr lang="pt-PT" sz="1400"/>
-            </a:p>
-          </p:txBody>
-        </p:sp>
-        <p:sp>
-          <p:nvSpPr>
-            <p:cNvPr id="34" name="CaixaDeTexto 33"/>
-            <p:cNvSpPr txBox="1"/>
-            <p:nvPr/>
-          </p:nvSpPr>
-          <p:spPr>
-            <a:xfrm>
-              <a:off x="4298157" y="5708792"/>
-              <a:ext cx="1719262" cy="650857"/>
-            </a:xfrm>
-            <a:prstGeom prst="rect">
-              <a:avLst/>
-            </a:prstGeom>
-            <a:noFill/>
-          </p:spPr>
-          <p:txBody>
-            <a:bodyPr wrap="square" rtlCol="0">
-              <a:spAutoFit/>
-            </a:bodyPr>
-            <a:lstStyle/>
-            <a:p>
-              <a:pPr algn="ctr"/>
-              <a:r>
-                <a:rPr lang="pt-PT" sz="2000" dirty="0" smtClean="0"/>
-                <a:t>SPECIES</a:t>
-              </a:r>
-              <a:endParaRPr lang="pt-PT" sz="2000" dirty="0"/>
-            </a:p>
-          </p:txBody>
-        </p:sp>
+          </p:grpSpPr>
+          <p:grpSp>
+            <p:nvGrpSpPr>
+              <p:cNvPr id="15" name="Grupo 14"/>
+              <p:cNvGrpSpPr/>
+              <p:nvPr/>
+            </p:nvGrpSpPr>
+            <p:grpSpPr>
+              <a:xfrm>
+                <a:off x="2176353" y="5722622"/>
+                <a:ext cx="4365224" cy="2457062"/>
+                <a:chOff x="2430342" y="5699762"/>
+                <a:chExt cx="4365224" cy="2457062"/>
+              </a:xfrm>
+            </p:grpSpPr>
+            <p:sp>
+              <p:nvSpPr>
+                <p:cNvPr id="59" name="Retângulo arredondado 58"/>
+                <p:cNvSpPr/>
+                <p:nvPr/>
+              </p:nvSpPr>
+              <p:spPr>
+                <a:xfrm>
+                  <a:off x="3899951" y="7831153"/>
+                  <a:ext cx="1426008" cy="325671"/>
+                </a:xfrm>
+                <a:prstGeom prst="roundRect">
+                  <a:avLst>
+                    <a:gd name="adj" fmla="val 27012"/>
+                  </a:avLst>
+                </a:prstGeom>
+                <a:gradFill>
+                  <a:gsLst>
+                    <a:gs pos="55000">
+                      <a:schemeClr val="accent6">
+                        <a:lumMod val="60000"/>
+                        <a:lumOff val="40000"/>
+                      </a:schemeClr>
+                    </a:gs>
+                    <a:gs pos="9000">
+                      <a:schemeClr val="accent1">
+                        <a:lumMod val="50000"/>
+                      </a:schemeClr>
+                    </a:gs>
+                    <a:gs pos="96000">
+                      <a:srgbClr val="A3BDD4"/>
+                    </a:gs>
+                    <a:gs pos="100000">
+                      <a:schemeClr val="accent1">
+                        <a:lumMod val="30000"/>
+                        <a:lumOff val="70000"/>
+                      </a:schemeClr>
+                    </a:gs>
+                  </a:gsLst>
+                  <a:lin ang="16200000" scaled="1"/>
+                </a:gradFill>
+                <a:ln>
+                  <a:noFill/>
+                </a:ln>
+              </p:spPr>
+              <p:style>
+                <a:lnRef idx="2">
+                  <a:schemeClr val="accent1">
+                    <a:shade val="50000"/>
+                  </a:schemeClr>
+                </a:lnRef>
+                <a:fillRef idx="1">
+                  <a:schemeClr val="accent1"/>
+                </a:fillRef>
+                <a:effectRef idx="0">
+                  <a:schemeClr val="accent1"/>
+                </a:effectRef>
+                <a:fontRef idx="minor">
+                  <a:schemeClr val="lt1"/>
+                </a:fontRef>
+              </p:style>
+              <p:txBody>
+                <a:bodyPr rtlCol="0" anchor="ctr"/>
+                <a:lstStyle/>
+                <a:p>
+                  <a:pPr algn="ctr"/>
+                  <a:r>
+                    <a:rPr lang="pt-PT" sz="1200" dirty="0" smtClean="0"/>
+                    <a:t>HOMO SAPIENS</a:t>
+                  </a:r>
+                  <a:endParaRPr lang="pt-PT" sz="1200" dirty="0"/>
+                </a:p>
+              </p:txBody>
+            </p:sp>
+            <p:sp>
+              <p:nvSpPr>
+                <p:cNvPr id="60" name="Retângulo arredondado 59"/>
+                <p:cNvSpPr/>
+                <p:nvPr/>
+              </p:nvSpPr>
+              <p:spPr>
+                <a:xfrm>
+                  <a:off x="3899951" y="7475922"/>
+                  <a:ext cx="1426008" cy="325671"/>
+                </a:xfrm>
+                <a:prstGeom prst="roundRect">
+                  <a:avLst>
+                    <a:gd name="adj" fmla="val 27012"/>
+                  </a:avLst>
+                </a:prstGeom>
+                <a:gradFill>
+                  <a:gsLst>
+                    <a:gs pos="55000">
+                      <a:schemeClr val="accent6">
+                        <a:lumMod val="60000"/>
+                        <a:lumOff val="40000"/>
+                      </a:schemeClr>
+                    </a:gs>
+                    <a:gs pos="9000">
+                      <a:schemeClr val="accent1">
+                        <a:lumMod val="50000"/>
+                      </a:schemeClr>
+                    </a:gs>
+                    <a:gs pos="96000">
+                      <a:srgbClr val="A3BDD4"/>
+                    </a:gs>
+                    <a:gs pos="100000">
+                      <a:schemeClr val="accent1">
+                        <a:lumMod val="30000"/>
+                        <a:lumOff val="70000"/>
+                      </a:schemeClr>
+                    </a:gs>
+                  </a:gsLst>
+                  <a:lin ang="16200000" scaled="1"/>
+                </a:gradFill>
+                <a:ln>
+                  <a:noFill/>
+                </a:ln>
+              </p:spPr>
+              <p:style>
+                <a:lnRef idx="2">
+                  <a:schemeClr val="accent1">
+                    <a:shade val="50000"/>
+                  </a:schemeClr>
+                </a:lnRef>
+                <a:fillRef idx="1">
+                  <a:schemeClr val="accent1"/>
+                </a:fillRef>
+                <a:effectRef idx="0">
+                  <a:schemeClr val="accent1"/>
+                </a:effectRef>
+                <a:fontRef idx="minor">
+                  <a:schemeClr val="lt1"/>
+                </a:fontRef>
+              </p:style>
+              <p:txBody>
+                <a:bodyPr rtlCol="0" anchor="ctr"/>
+                <a:lstStyle/>
+                <a:p>
+                  <a:pPr algn="ctr"/>
+                  <a:r>
+                    <a:rPr lang="pt-PT" sz="1200" dirty="0" smtClean="0"/>
+                    <a:t>HOMO</a:t>
+                  </a:r>
+                  <a:endParaRPr lang="pt-PT" sz="1200" dirty="0"/>
+                </a:p>
+              </p:txBody>
+            </p:sp>
+            <p:sp>
+              <p:nvSpPr>
+                <p:cNvPr id="61" name="Retângulo arredondado 60"/>
+                <p:cNvSpPr/>
+                <p:nvPr/>
+              </p:nvSpPr>
+              <p:spPr>
+                <a:xfrm>
+                  <a:off x="3899951" y="7120690"/>
+                  <a:ext cx="1426008" cy="325671"/>
+                </a:xfrm>
+                <a:prstGeom prst="roundRect">
+                  <a:avLst>
+                    <a:gd name="adj" fmla="val 27012"/>
+                  </a:avLst>
+                </a:prstGeom>
+                <a:gradFill>
+                  <a:gsLst>
+                    <a:gs pos="55000">
+                      <a:schemeClr val="accent6">
+                        <a:lumMod val="60000"/>
+                        <a:lumOff val="40000"/>
+                      </a:schemeClr>
+                    </a:gs>
+                    <a:gs pos="9000">
+                      <a:schemeClr val="accent1">
+                        <a:lumMod val="50000"/>
+                      </a:schemeClr>
+                    </a:gs>
+                    <a:gs pos="96000">
+                      <a:srgbClr val="A3BDD4"/>
+                    </a:gs>
+                    <a:gs pos="100000">
+                      <a:schemeClr val="accent1">
+                        <a:lumMod val="30000"/>
+                        <a:lumOff val="70000"/>
+                      </a:schemeClr>
+                    </a:gs>
+                  </a:gsLst>
+                  <a:lin ang="16200000" scaled="1"/>
+                </a:gradFill>
+                <a:ln>
+                  <a:noFill/>
+                </a:ln>
+              </p:spPr>
+              <p:style>
+                <a:lnRef idx="2">
+                  <a:schemeClr val="accent1">
+                    <a:shade val="50000"/>
+                  </a:schemeClr>
+                </a:lnRef>
+                <a:fillRef idx="1">
+                  <a:schemeClr val="accent1"/>
+                </a:fillRef>
+                <a:effectRef idx="0">
+                  <a:schemeClr val="accent1"/>
+                </a:effectRef>
+                <a:fontRef idx="minor">
+                  <a:schemeClr val="lt1"/>
+                </a:fontRef>
+              </p:style>
+              <p:txBody>
+                <a:bodyPr rtlCol="0" anchor="ctr"/>
+                <a:lstStyle/>
+                <a:p>
+                  <a:pPr algn="ctr"/>
+                  <a:r>
+                    <a:rPr lang="pt-PT" sz="1200" dirty="0" smtClean="0"/>
+                    <a:t>HOMINIDAE</a:t>
+                  </a:r>
+                  <a:endParaRPr lang="pt-PT" sz="1200" dirty="0"/>
+                </a:p>
+              </p:txBody>
+            </p:sp>
+            <p:sp>
+              <p:nvSpPr>
+                <p:cNvPr id="62" name="Retângulo arredondado 61"/>
+                <p:cNvSpPr/>
+                <p:nvPr/>
+              </p:nvSpPr>
+              <p:spPr>
+                <a:xfrm>
+                  <a:off x="3899951" y="6765458"/>
+                  <a:ext cx="1426008" cy="325671"/>
+                </a:xfrm>
+                <a:prstGeom prst="roundRect">
+                  <a:avLst>
+                    <a:gd name="adj" fmla="val 27012"/>
+                  </a:avLst>
+                </a:prstGeom>
+                <a:gradFill>
+                  <a:gsLst>
+                    <a:gs pos="55000">
+                      <a:schemeClr val="accent6">
+                        <a:lumMod val="60000"/>
+                        <a:lumOff val="40000"/>
+                      </a:schemeClr>
+                    </a:gs>
+                    <a:gs pos="9000">
+                      <a:schemeClr val="accent1">
+                        <a:lumMod val="50000"/>
+                      </a:schemeClr>
+                    </a:gs>
+                    <a:gs pos="96000">
+                      <a:srgbClr val="A3BDD4"/>
+                    </a:gs>
+                    <a:gs pos="100000">
+                      <a:schemeClr val="accent1">
+                        <a:lumMod val="30000"/>
+                        <a:lumOff val="70000"/>
+                      </a:schemeClr>
+                    </a:gs>
+                  </a:gsLst>
+                  <a:lin ang="16200000" scaled="1"/>
+                </a:gradFill>
+                <a:ln>
+                  <a:noFill/>
+                </a:ln>
+              </p:spPr>
+              <p:style>
+                <a:lnRef idx="2">
+                  <a:schemeClr val="accent1">
+                    <a:shade val="50000"/>
+                  </a:schemeClr>
+                </a:lnRef>
+                <a:fillRef idx="1">
+                  <a:schemeClr val="accent1"/>
+                </a:fillRef>
+                <a:effectRef idx="0">
+                  <a:schemeClr val="accent1"/>
+                </a:effectRef>
+                <a:fontRef idx="minor">
+                  <a:schemeClr val="lt1"/>
+                </a:fontRef>
+              </p:style>
+              <p:txBody>
+                <a:bodyPr rtlCol="0" anchor="ctr"/>
+                <a:lstStyle/>
+                <a:p>
+                  <a:pPr algn="ctr"/>
+                  <a:r>
+                    <a:rPr lang="pt-PT" sz="1200" dirty="0" smtClean="0"/>
+                    <a:t>PRIMATES</a:t>
+                  </a:r>
+                  <a:endParaRPr lang="pt-PT" sz="1200" dirty="0"/>
+                </a:p>
+              </p:txBody>
+            </p:sp>
+            <p:sp>
+              <p:nvSpPr>
+                <p:cNvPr id="63" name="Retângulo arredondado 62"/>
+                <p:cNvSpPr/>
+                <p:nvPr/>
+              </p:nvSpPr>
+              <p:spPr>
+                <a:xfrm>
+                  <a:off x="2430342" y="6054994"/>
+                  <a:ext cx="4365223" cy="325671"/>
+                </a:xfrm>
+                <a:prstGeom prst="roundRect">
+                  <a:avLst>
+                    <a:gd name="adj" fmla="val 27012"/>
+                  </a:avLst>
+                </a:prstGeom>
+                <a:gradFill>
+                  <a:gsLst>
+                    <a:gs pos="55000">
+                      <a:schemeClr val="accent6">
+                        <a:lumMod val="60000"/>
+                        <a:lumOff val="40000"/>
+                      </a:schemeClr>
+                    </a:gs>
+                    <a:gs pos="9000">
+                      <a:schemeClr val="accent1">
+                        <a:lumMod val="50000"/>
+                      </a:schemeClr>
+                    </a:gs>
+                    <a:gs pos="96000">
+                      <a:srgbClr val="A3BDD4"/>
+                    </a:gs>
+                    <a:gs pos="100000">
+                      <a:schemeClr val="accent1">
+                        <a:lumMod val="30000"/>
+                        <a:lumOff val="70000"/>
+                      </a:schemeClr>
+                    </a:gs>
+                  </a:gsLst>
+                  <a:lin ang="16200000" scaled="1"/>
+                </a:gradFill>
+                <a:ln>
+                  <a:noFill/>
+                </a:ln>
+              </p:spPr>
+              <p:style>
+                <a:lnRef idx="2">
+                  <a:schemeClr val="accent1">
+                    <a:shade val="50000"/>
+                  </a:schemeClr>
+                </a:lnRef>
+                <a:fillRef idx="1">
+                  <a:schemeClr val="accent1"/>
+                </a:fillRef>
+                <a:effectRef idx="0">
+                  <a:schemeClr val="accent1"/>
+                </a:effectRef>
+                <a:fontRef idx="minor">
+                  <a:schemeClr val="lt1"/>
+                </a:fontRef>
+              </p:style>
+              <p:txBody>
+                <a:bodyPr rtlCol="0" anchor="ctr"/>
+                <a:lstStyle/>
+                <a:p>
+                  <a:pPr algn="ctr"/>
+                  <a:r>
+                    <a:rPr lang="pt-PT" sz="1200" dirty="0" smtClean="0"/>
+                    <a:t>CHORDATA</a:t>
+                  </a:r>
+                  <a:endParaRPr lang="pt-PT" sz="1200" dirty="0"/>
+                </a:p>
+              </p:txBody>
+            </p:sp>
+            <p:sp>
+              <p:nvSpPr>
+                <p:cNvPr id="64" name="Retângulo arredondado 63"/>
+                <p:cNvSpPr/>
+                <p:nvPr/>
+              </p:nvSpPr>
+              <p:spPr>
+                <a:xfrm>
+                  <a:off x="2430342" y="5699762"/>
+                  <a:ext cx="4365223" cy="325671"/>
+                </a:xfrm>
+                <a:prstGeom prst="roundRect">
+                  <a:avLst>
+                    <a:gd name="adj" fmla="val 27012"/>
+                  </a:avLst>
+                </a:prstGeom>
+                <a:gradFill>
+                  <a:gsLst>
+                    <a:gs pos="55000">
+                      <a:schemeClr val="accent6">
+                        <a:lumMod val="60000"/>
+                        <a:lumOff val="40000"/>
+                      </a:schemeClr>
+                    </a:gs>
+                    <a:gs pos="9000">
+                      <a:schemeClr val="accent1">
+                        <a:lumMod val="50000"/>
+                      </a:schemeClr>
+                    </a:gs>
+                    <a:gs pos="96000">
+                      <a:srgbClr val="A3BDD4"/>
+                    </a:gs>
+                    <a:gs pos="100000">
+                      <a:schemeClr val="accent1">
+                        <a:lumMod val="30000"/>
+                        <a:lumOff val="70000"/>
+                      </a:schemeClr>
+                    </a:gs>
+                  </a:gsLst>
+                  <a:lin ang="16200000" scaled="1"/>
+                </a:gradFill>
+                <a:ln>
+                  <a:noFill/>
+                </a:ln>
+              </p:spPr>
+              <p:style>
+                <a:lnRef idx="2">
+                  <a:schemeClr val="accent1">
+                    <a:shade val="50000"/>
+                  </a:schemeClr>
+                </a:lnRef>
+                <a:fillRef idx="1">
+                  <a:schemeClr val="accent1"/>
+                </a:fillRef>
+                <a:effectRef idx="0">
+                  <a:schemeClr val="accent1"/>
+                </a:effectRef>
+                <a:fontRef idx="minor">
+                  <a:schemeClr val="lt1"/>
+                </a:fontRef>
+              </p:style>
+              <p:txBody>
+                <a:bodyPr rtlCol="0" anchor="ctr"/>
+                <a:lstStyle/>
+                <a:p>
+                  <a:pPr algn="ctr"/>
+                  <a:r>
+                    <a:rPr lang="pt-PT" sz="1200" dirty="0" smtClean="0"/>
+                    <a:t>ANIMALIA</a:t>
+                  </a:r>
+                  <a:endParaRPr lang="pt-PT" sz="1200" dirty="0"/>
+                </a:p>
+              </p:txBody>
+            </p:sp>
+            <p:sp>
+              <p:nvSpPr>
+                <p:cNvPr id="65" name="Retângulo arredondado 64"/>
+                <p:cNvSpPr/>
+                <p:nvPr/>
+              </p:nvSpPr>
+              <p:spPr>
+                <a:xfrm>
+                  <a:off x="5369558" y="6410226"/>
+                  <a:ext cx="1426008" cy="325671"/>
+                </a:xfrm>
+                <a:prstGeom prst="roundRect">
+                  <a:avLst>
+                    <a:gd name="adj" fmla="val 27012"/>
+                  </a:avLst>
+                </a:prstGeom>
+                <a:gradFill>
+                  <a:gsLst>
+                    <a:gs pos="55000">
+                      <a:schemeClr val="accent6">
+                        <a:lumMod val="60000"/>
+                        <a:lumOff val="40000"/>
+                      </a:schemeClr>
+                    </a:gs>
+                    <a:gs pos="9000">
+                      <a:schemeClr val="accent1">
+                        <a:lumMod val="50000"/>
+                      </a:schemeClr>
+                    </a:gs>
+                    <a:gs pos="96000">
+                      <a:srgbClr val="A3BDD4"/>
+                    </a:gs>
+                    <a:gs pos="100000">
+                      <a:schemeClr val="accent1">
+                        <a:lumMod val="30000"/>
+                        <a:lumOff val="70000"/>
+                      </a:schemeClr>
+                    </a:gs>
+                  </a:gsLst>
+                  <a:lin ang="16200000" scaled="1"/>
+                </a:gradFill>
+                <a:ln>
+                  <a:noFill/>
+                </a:ln>
+              </p:spPr>
+              <p:style>
+                <a:lnRef idx="2">
+                  <a:schemeClr val="accent1">
+                    <a:shade val="50000"/>
+                  </a:schemeClr>
+                </a:lnRef>
+                <a:fillRef idx="1">
+                  <a:schemeClr val="accent1"/>
+                </a:fillRef>
+                <a:effectRef idx="0">
+                  <a:schemeClr val="accent1"/>
+                </a:effectRef>
+                <a:fontRef idx="minor">
+                  <a:schemeClr val="lt1"/>
+                </a:fontRef>
+              </p:style>
+              <p:txBody>
+                <a:bodyPr rtlCol="0" anchor="ctr"/>
+                <a:lstStyle/>
+                <a:p>
+                  <a:pPr algn="ctr"/>
+                  <a:r>
+                    <a:rPr lang="pt-PT" sz="1200" dirty="0" smtClean="0"/>
+                    <a:t>AVES</a:t>
+                  </a:r>
+                  <a:endParaRPr lang="pt-PT" sz="1200" dirty="0"/>
+                </a:p>
+              </p:txBody>
+            </p:sp>
+            <p:sp>
+              <p:nvSpPr>
+                <p:cNvPr id="66" name="Retângulo arredondado 65"/>
+                <p:cNvSpPr/>
+                <p:nvPr/>
+              </p:nvSpPr>
+              <p:spPr>
+                <a:xfrm>
+                  <a:off x="5369558" y="7831153"/>
+                  <a:ext cx="1426008" cy="325671"/>
+                </a:xfrm>
+                <a:prstGeom prst="roundRect">
+                  <a:avLst>
+                    <a:gd name="adj" fmla="val 27012"/>
+                  </a:avLst>
+                </a:prstGeom>
+                <a:gradFill>
+                  <a:gsLst>
+                    <a:gs pos="55000">
+                      <a:schemeClr val="accent6">
+                        <a:lumMod val="60000"/>
+                        <a:lumOff val="40000"/>
+                      </a:schemeClr>
+                    </a:gs>
+                    <a:gs pos="9000">
+                      <a:schemeClr val="accent1">
+                        <a:lumMod val="50000"/>
+                      </a:schemeClr>
+                    </a:gs>
+                    <a:gs pos="96000">
+                      <a:srgbClr val="A3BDD4"/>
+                    </a:gs>
+                    <a:gs pos="100000">
+                      <a:schemeClr val="accent1">
+                        <a:lumMod val="30000"/>
+                        <a:lumOff val="70000"/>
+                      </a:schemeClr>
+                    </a:gs>
+                  </a:gsLst>
+                  <a:lin ang="16200000" scaled="1"/>
+                </a:gradFill>
+                <a:ln>
+                  <a:noFill/>
+                </a:ln>
+              </p:spPr>
+              <p:style>
+                <a:lnRef idx="2">
+                  <a:schemeClr val="accent1">
+                    <a:shade val="50000"/>
+                  </a:schemeClr>
+                </a:lnRef>
+                <a:fillRef idx="1">
+                  <a:schemeClr val="accent1"/>
+                </a:fillRef>
+                <a:effectRef idx="0">
+                  <a:schemeClr val="accent1"/>
+                </a:effectRef>
+                <a:fontRef idx="minor">
+                  <a:schemeClr val="lt1"/>
+                </a:fontRef>
+              </p:style>
+              <p:txBody>
+                <a:bodyPr rtlCol="0" anchor="ctr"/>
+                <a:lstStyle/>
+                <a:p>
+                  <a:pPr algn="ctr"/>
+                  <a:r>
+                    <a:rPr lang="pt-PT" sz="1200" dirty="0" smtClean="0"/>
+                    <a:t>PSITTACUS ERITHACUS</a:t>
+                  </a:r>
+                  <a:endParaRPr lang="pt-PT" sz="1200" dirty="0"/>
+                </a:p>
+              </p:txBody>
+            </p:sp>
+            <p:sp>
+              <p:nvSpPr>
+                <p:cNvPr id="67" name="Retângulo arredondado 66"/>
+                <p:cNvSpPr/>
+                <p:nvPr/>
+              </p:nvSpPr>
+              <p:spPr>
+                <a:xfrm>
+                  <a:off x="5369558" y="7475922"/>
+                  <a:ext cx="1426008" cy="325671"/>
+                </a:xfrm>
+                <a:prstGeom prst="roundRect">
+                  <a:avLst>
+                    <a:gd name="adj" fmla="val 27012"/>
+                  </a:avLst>
+                </a:prstGeom>
+                <a:gradFill>
+                  <a:gsLst>
+                    <a:gs pos="55000">
+                      <a:schemeClr val="accent6">
+                        <a:lumMod val="60000"/>
+                        <a:lumOff val="40000"/>
+                      </a:schemeClr>
+                    </a:gs>
+                    <a:gs pos="9000">
+                      <a:schemeClr val="accent1">
+                        <a:lumMod val="50000"/>
+                      </a:schemeClr>
+                    </a:gs>
+                    <a:gs pos="96000">
+                      <a:srgbClr val="A3BDD4"/>
+                    </a:gs>
+                    <a:gs pos="100000">
+                      <a:schemeClr val="accent1">
+                        <a:lumMod val="30000"/>
+                        <a:lumOff val="70000"/>
+                      </a:schemeClr>
+                    </a:gs>
+                  </a:gsLst>
+                  <a:lin ang="16200000" scaled="1"/>
+                </a:gradFill>
+                <a:ln>
+                  <a:noFill/>
+                </a:ln>
+              </p:spPr>
+              <p:style>
+                <a:lnRef idx="2">
+                  <a:schemeClr val="accent1">
+                    <a:shade val="50000"/>
+                  </a:schemeClr>
+                </a:lnRef>
+                <a:fillRef idx="1">
+                  <a:schemeClr val="accent1"/>
+                </a:fillRef>
+                <a:effectRef idx="0">
+                  <a:schemeClr val="accent1"/>
+                </a:effectRef>
+                <a:fontRef idx="minor">
+                  <a:schemeClr val="lt1"/>
+                </a:fontRef>
+              </p:style>
+              <p:txBody>
+                <a:bodyPr rtlCol="0" anchor="ctr"/>
+                <a:lstStyle/>
+                <a:p>
+                  <a:pPr algn="ctr"/>
+                  <a:r>
+                    <a:rPr lang="pt-PT" sz="1200" dirty="0" smtClean="0"/>
+                    <a:t>PSITTACUS</a:t>
+                  </a:r>
+                  <a:endParaRPr lang="pt-PT" sz="1200" dirty="0"/>
+                </a:p>
+              </p:txBody>
+            </p:sp>
+            <p:sp>
+              <p:nvSpPr>
+                <p:cNvPr id="68" name="Retângulo arredondado 67"/>
+                <p:cNvSpPr/>
+                <p:nvPr/>
+              </p:nvSpPr>
+              <p:spPr>
+                <a:xfrm>
+                  <a:off x="5369558" y="7120690"/>
+                  <a:ext cx="1426008" cy="325671"/>
+                </a:xfrm>
+                <a:prstGeom prst="roundRect">
+                  <a:avLst>
+                    <a:gd name="adj" fmla="val 27012"/>
+                  </a:avLst>
+                </a:prstGeom>
+                <a:gradFill>
+                  <a:gsLst>
+                    <a:gs pos="55000">
+                      <a:schemeClr val="accent6">
+                        <a:lumMod val="60000"/>
+                        <a:lumOff val="40000"/>
+                      </a:schemeClr>
+                    </a:gs>
+                    <a:gs pos="9000">
+                      <a:schemeClr val="accent1">
+                        <a:lumMod val="50000"/>
+                      </a:schemeClr>
+                    </a:gs>
+                    <a:gs pos="96000">
+                      <a:srgbClr val="A3BDD4"/>
+                    </a:gs>
+                    <a:gs pos="100000">
+                      <a:schemeClr val="accent1">
+                        <a:lumMod val="30000"/>
+                        <a:lumOff val="70000"/>
+                      </a:schemeClr>
+                    </a:gs>
+                  </a:gsLst>
+                  <a:lin ang="16200000" scaled="1"/>
+                </a:gradFill>
+                <a:ln>
+                  <a:noFill/>
+                </a:ln>
+              </p:spPr>
+              <p:style>
+                <a:lnRef idx="2">
+                  <a:schemeClr val="accent1">
+                    <a:shade val="50000"/>
+                  </a:schemeClr>
+                </a:lnRef>
+                <a:fillRef idx="1">
+                  <a:schemeClr val="accent1"/>
+                </a:fillRef>
+                <a:effectRef idx="0">
+                  <a:schemeClr val="accent1"/>
+                </a:effectRef>
+                <a:fontRef idx="minor">
+                  <a:schemeClr val="lt1"/>
+                </a:fontRef>
+              </p:style>
+              <p:txBody>
+                <a:bodyPr rtlCol="0" anchor="ctr"/>
+                <a:lstStyle/>
+                <a:p>
+                  <a:pPr algn="ctr"/>
+                  <a:r>
+                    <a:rPr lang="pt-PT" sz="1200" dirty="0" smtClean="0"/>
+                    <a:t>PSITTACIDAE</a:t>
+                  </a:r>
+                  <a:endParaRPr lang="pt-PT" sz="1200" dirty="0"/>
+                </a:p>
+              </p:txBody>
+            </p:sp>
+            <p:sp>
+              <p:nvSpPr>
+                <p:cNvPr id="69" name="Retângulo arredondado 68"/>
+                <p:cNvSpPr/>
+                <p:nvPr/>
+              </p:nvSpPr>
+              <p:spPr>
+                <a:xfrm>
+                  <a:off x="5369558" y="6765458"/>
+                  <a:ext cx="1426008" cy="325671"/>
+                </a:xfrm>
+                <a:prstGeom prst="roundRect">
+                  <a:avLst>
+                    <a:gd name="adj" fmla="val 27012"/>
+                  </a:avLst>
+                </a:prstGeom>
+                <a:gradFill>
+                  <a:gsLst>
+                    <a:gs pos="55000">
+                      <a:schemeClr val="accent6">
+                        <a:lumMod val="60000"/>
+                        <a:lumOff val="40000"/>
+                      </a:schemeClr>
+                    </a:gs>
+                    <a:gs pos="9000">
+                      <a:schemeClr val="accent1">
+                        <a:lumMod val="50000"/>
+                      </a:schemeClr>
+                    </a:gs>
+                    <a:gs pos="96000">
+                      <a:srgbClr val="A3BDD4"/>
+                    </a:gs>
+                    <a:gs pos="100000">
+                      <a:schemeClr val="accent1">
+                        <a:lumMod val="30000"/>
+                        <a:lumOff val="70000"/>
+                      </a:schemeClr>
+                    </a:gs>
+                  </a:gsLst>
+                  <a:lin ang="16200000" scaled="1"/>
+                </a:gradFill>
+                <a:ln>
+                  <a:noFill/>
+                </a:ln>
+              </p:spPr>
+              <p:style>
+                <a:lnRef idx="2">
+                  <a:schemeClr val="accent1">
+                    <a:shade val="50000"/>
+                  </a:schemeClr>
+                </a:lnRef>
+                <a:fillRef idx="1">
+                  <a:schemeClr val="accent1"/>
+                </a:fillRef>
+                <a:effectRef idx="0">
+                  <a:schemeClr val="accent1"/>
+                </a:effectRef>
+                <a:fontRef idx="minor">
+                  <a:schemeClr val="lt1"/>
+                </a:fontRef>
+              </p:style>
+              <p:txBody>
+                <a:bodyPr rtlCol="0" anchor="ctr"/>
+                <a:lstStyle/>
+                <a:p>
+                  <a:pPr algn="ctr"/>
+                  <a:r>
+                    <a:rPr lang="pt-PT" sz="1200" dirty="0" smtClean="0"/>
+                    <a:t>PSITTACIFORMES</a:t>
+                  </a:r>
+                  <a:endParaRPr lang="pt-PT" sz="1200" dirty="0"/>
+                </a:p>
+              </p:txBody>
+            </p:sp>
+            <p:sp>
+              <p:nvSpPr>
+                <p:cNvPr id="73" name="Retângulo arredondado 72"/>
+                <p:cNvSpPr/>
+                <p:nvPr/>
+              </p:nvSpPr>
+              <p:spPr>
+                <a:xfrm>
+                  <a:off x="2430343" y="6410226"/>
+                  <a:ext cx="2895616" cy="325671"/>
+                </a:xfrm>
+                <a:prstGeom prst="roundRect">
+                  <a:avLst>
+                    <a:gd name="adj" fmla="val 27012"/>
+                  </a:avLst>
+                </a:prstGeom>
+                <a:gradFill>
+                  <a:gsLst>
+                    <a:gs pos="55000">
+                      <a:schemeClr val="accent6">
+                        <a:lumMod val="60000"/>
+                        <a:lumOff val="40000"/>
+                      </a:schemeClr>
+                    </a:gs>
+                    <a:gs pos="9000">
+                      <a:schemeClr val="accent1">
+                        <a:lumMod val="50000"/>
+                      </a:schemeClr>
+                    </a:gs>
+                    <a:gs pos="96000">
+                      <a:srgbClr val="A3BDD4"/>
+                    </a:gs>
+                    <a:gs pos="100000">
+                      <a:schemeClr val="accent1">
+                        <a:lumMod val="30000"/>
+                        <a:lumOff val="70000"/>
+                      </a:schemeClr>
+                    </a:gs>
+                  </a:gsLst>
+                  <a:lin ang="16200000" scaled="1"/>
+                </a:gradFill>
+                <a:ln>
+                  <a:noFill/>
+                </a:ln>
+              </p:spPr>
+              <p:style>
+                <a:lnRef idx="2">
+                  <a:schemeClr val="accent1">
+                    <a:shade val="50000"/>
+                  </a:schemeClr>
+                </a:lnRef>
+                <a:fillRef idx="1">
+                  <a:schemeClr val="accent1"/>
+                </a:fillRef>
+                <a:effectRef idx="0">
+                  <a:schemeClr val="accent1"/>
+                </a:effectRef>
+                <a:fontRef idx="minor">
+                  <a:schemeClr val="lt1"/>
+                </a:fontRef>
+              </p:style>
+              <p:txBody>
+                <a:bodyPr rtlCol="0" anchor="ctr"/>
+                <a:lstStyle/>
+                <a:p>
+                  <a:pPr algn="ctr"/>
+                  <a:r>
+                    <a:rPr lang="pt-PT" sz="1200" dirty="0" smtClean="0"/>
+                    <a:t>MAMMALIA</a:t>
+                  </a:r>
+                  <a:endParaRPr lang="pt-PT" sz="1200" dirty="0"/>
+                </a:p>
+              </p:txBody>
+            </p:sp>
+            <p:sp>
+              <p:nvSpPr>
+                <p:cNvPr id="74" name="Retângulo arredondado 73"/>
+                <p:cNvSpPr/>
+                <p:nvPr/>
+              </p:nvSpPr>
+              <p:spPr>
+                <a:xfrm>
+                  <a:off x="2430343" y="7831153"/>
+                  <a:ext cx="1426008" cy="325671"/>
+                </a:xfrm>
+                <a:prstGeom prst="roundRect">
+                  <a:avLst>
+                    <a:gd name="adj" fmla="val 27012"/>
+                  </a:avLst>
+                </a:prstGeom>
+                <a:gradFill>
+                  <a:gsLst>
+                    <a:gs pos="55000">
+                      <a:schemeClr val="accent6">
+                        <a:lumMod val="60000"/>
+                        <a:lumOff val="40000"/>
+                      </a:schemeClr>
+                    </a:gs>
+                    <a:gs pos="9000">
+                      <a:schemeClr val="accent1">
+                        <a:lumMod val="50000"/>
+                      </a:schemeClr>
+                    </a:gs>
+                    <a:gs pos="96000">
+                      <a:srgbClr val="A3BDD4"/>
+                    </a:gs>
+                    <a:gs pos="100000">
+                      <a:schemeClr val="accent1">
+                        <a:lumMod val="30000"/>
+                        <a:lumOff val="70000"/>
+                      </a:schemeClr>
+                    </a:gs>
+                  </a:gsLst>
+                  <a:lin ang="16200000" scaled="1"/>
+                </a:gradFill>
+                <a:ln>
+                  <a:noFill/>
+                </a:ln>
+              </p:spPr>
+              <p:style>
+                <a:lnRef idx="2">
+                  <a:schemeClr val="accent1">
+                    <a:shade val="50000"/>
+                  </a:schemeClr>
+                </a:lnRef>
+                <a:fillRef idx="1">
+                  <a:schemeClr val="accent1"/>
+                </a:fillRef>
+                <a:effectRef idx="0">
+                  <a:schemeClr val="accent1"/>
+                </a:effectRef>
+                <a:fontRef idx="minor">
+                  <a:schemeClr val="lt1"/>
+                </a:fontRef>
+              </p:style>
+              <p:txBody>
+                <a:bodyPr rtlCol="0" anchor="ctr"/>
+                <a:lstStyle/>
+                <a:p>
+                  <a:pPr algn="ctr"/>
+                  <a:r>
+                    <a:rPr lang="pt-PT" sz="1200" dirty="0" smtClean="0"/>
+                    <a:t>CANIS FAMILIARIS</a:t>
+                  </a:r>
+                  <a:endParaRPr lang="pt-PT" sz="1200" dirty="0"/>
+                </a:p>
+              </p:txBody>
+            </p:sp>
+            <p:sp>
+              <p:nvSpPr>
+                <p:cNvPr id="75" name="Retângulo arredondado 74"/>
+                <p:cNvSpPr/>
+                <p:nvPr/>
+              </p:nvSpPr>
+              <p:spPr>
+                <a:xfrm>
+                  <a:off x="2430343" y="7475922"/>
+                  <a:ext cx="1426008" cy="325671"/>
+                </a:xfrm>
+                <a:prstGeom prst="roundRect">
+                  <a:avLst>
+                    <a:gd name="adj" fmla="val 27012"/>
+                  </a:avLst>
+                </a:prstGeom>
+                <a:gradFill>
+                  <a:gsLst>
+                    <a:gs pos="55000">
+                      <a:schemeClr val="accent6">
+                        <a:lumMod val="60000"/>
+                        <a:lumOff val="40000"/>
+                      </a:schemeClr>
+                    </a:gs>
+                    <a:gs pos="9000">
+                      <a:schemeClr val="accent1">
+                        <a:lumMod val="50000"/>
+                      </a:schemeClr>
+                    </a:gs>
+                    <a:gs pos="96000">
+                      <a:srgbClr val="A3BDD4"/>
+                    </a:gs>
+                    <a:gs pos="100000">
+                      <a:schemeClr val="accent1">
+                        <a:lumMod val="30000"/>
+                        <a:lumOff val="70000"/>
+                      </a:schemeClr>
+                    </a:gs>
+                  </a:gsLst>
+                  <a:lin ang="16200000" scaled="1"/>
+                </a:gradFill>
+                <a:ln>
+                  <a:noFill/>
+                </a:ln>
+              </p:spPr>
+              <p:style>
+                <a:lnRef idx="2">
+                  <a:schemeClr val="accent1">
+                    <a:shade val="50000"/>
+                  </a:schemeClr>
+                </a:lnRef>
+                <a:fillRef idx="1">
+                  <a:schemeClr val="accent1"/>
+                </a:fillRef>
+                <a:effectRef idx="0">
+                  <a:schemeClr val="accent1"/>
+                </a:effectRef>
+                <a:fontRef idx="minor">
+                  <a:schemeClr val="lt1"/>
+                </a:fontRef>
+              </p:style>
+              <p:txBody>
+                <a:bodyPr rtlCol="0" anchor="ctr"/>
+                <a:lstStyle/>
+                <a:p>
+                  <a:pPr algn="ctr"/>
+                  <a:r>
+                    <a:rPr lang="pt-PT" sz="1200" dirty="0" smtClean="0"/>
+                    <a:t>CANIS</a:t>
+                  </a:r>
+                  <a:endParaRPr lang="pt-PT" sz="1200" dirty="0"/>
+                </a:p>
+              </p:txBody>
+            </p:sp>
+            <p:sp>
+              <p:nvSpPr>
+                <p:cNvPr id="76" name="Retângulo arredondado 75"/>
+                <p:cNvSpPr/>
+                <p:nvPr/>
+              </p:nvSpPr>
+              <p:spPr>
+                <a:xfrm>
+                  <a:off x="2430343" y="7120690"/>
+                  <a:ext cx="1426008" cy="325671"/>
+                </a:xfrm>
+                <a:prstGeom prst="roundRect">
+                  <a:avLst>
+                    <a:gd name="adj" fmla="val 27012"/>
+                  </a:avLst>
+                </a:prstGeom>
+                <a:gradFill>
+                  <a:gsLst>
+                    <a:gs pos="55000">
+                      <a:schemeClr val="accent6">
+                        <a:lumMod val="60000"/>
+                        <a:lumOff val="40000"/>
+                      </a:schemeClr>
+                    </a:gs>
+                    <a:gs pos="9000">
+                      <a:schemeClr val="accent1">
+                        <a:lumMod val="50000"/>
+                      </a:schemeClr>
+                    </a:gs>
+                    <a:gs pos="96000">
+                      <a:srgbClr val="A3BDD4"/>
+                    </a:gs>
+                    <a:gs pos="100000">
+                      <a:schemeClr val="accent1">
+                        <a:lumMod val="30000"/>
+                        <a:lumOff val="70000"/>
+                      </a:schemeClr>
+                    </a:gs>
+                  </a:gsLst>
+                  <a:lin ang="16200000" scaled="1"/>
+                </a:gradFill>
+                <a:ln>
+                  <a:noFill/>
+                </a:ln>
+              </p:spPr>
+              <p:style>
+                <a:lnRef idx="2">
+                  <a:schemeClr val="accent1">
+                    <a:shade val="50000"/>
+                  </a:schemeClr>
+                </a:lnRef>
+                <a:fillRef idx="1">
+                  <a:schemeClr val="accent1"/>
+                </a:fillRef>
+                <a:effectRef idx="0">
+                  <a:schemeClr val="accent1"/>
+                </a:effectRef>
+                <a:fontRef idx="minor">
+                  <a:schemeClr val="lt1"/>
+                </a:fontRef>
+              </p:style>
+              <p:txBody>
+                <a:bodyPr rtlCol="0" anchor="ctr"/>
+                <a:lstStyle/>
+                <a:p>
+                  <a:pPr algn="ctr"/>
+                  <a:r>
+                    <a:rPr lang="pt-PT" sz="1200" dirty="0" smtClean="0"/>
+                    <a:t>CANIDAE</a:t>
+                  </a:r>
+                  <a:endParaRPr lang="pt-PT" sz="1200" dirty="0"/>
+                </a:p>
+              </p:txBody>
+            </p:sp>
+            <p:sp>
+              <p:nvSpPr>
+                <p:cNvPr id="77" name="Retângulo arredondado 76"/>
+                <p:cNvSpPr/>
+                <p:nvPr/>
+              </p:nvSpPr>
+              <p:spPr>
+                <a:xfrm>
+                  <a:off x="2430343" y="6765458"/>
+                  <a:ext cx="1426008" cy="325671"/>
+                </a:xfrm>
+                <a:prstGeom prst="roundRect">
+                  <a:avLst>
+                    <a:gd name="adj" fmla="val 27012"/>
+                  </a:avLst>
+                </a:prstGeom>
+                <a:gradFill>
+                  <a:gsLst>
+                    <a:gs pos="55000">
+                      <a:schemeClr val="accent6">
+                        <a:lumMod val="60000"/>
+                        <a:lumOff val="40000"/>
+                      </a:schemeClr>
+                    </a:gs>
+                    <a:gs pos="9000">
+                      <a:schemeClr val="accent1">
+                        <a:lumMod val="50000"/>
+                      </a:schemeClr>
+                    </a:gs>
+                    <a:gs pos="96000">
+                      <a:srgbClr val="A3BDD4"/>
+                    </a:gs>
+                    <a:gs pos="100000">
+                      <a:schemeClr val="accent1">
+                        <a:lumMod val="30000"/>
+                        <a:lumOff val="70000"/>
+                      </a:schemeClr>
+                    </a:gs>
+                  </a:gsLst>
+                  <a:lin ang="16200000" scaled="1"/>
+                </a:gradFill>
+                <a:ln>
+                  <a:noFill/>
+                </a:ln>
+              </p:spPr>
+              <p:style>
+                <a:lnRef idx="2">
+                  <a:schemeClr val="accent1">
+                    <a:shade val="50000"/>
+                  </a:schemeClr>
+                </a:lnRef>
+                <a:fillRef idx="1">
+                  <a:schemeClr val="accent1"/>
+                </a:fillRef>
+                <a:effectRef idx="0">
+                  <a:schemeClr val="accent1"/>
+                </a:effectRef>
+                <a:fontRef idx="minor">
+                  <a:schemeClr val="lt1"/>
+                </a:fontRef>
+              </p:style>
+              <p:txBody>
+                <a:bodyPr rtlCol="0" anchor="ctr"/>
+                <a:lstStyle/>
+                <a:p>
+                  <a:pPr algn="ctr"/>
+                  <a:r>
+                    <a:rPr lang="pt-PT" sz="1200" dirty="0" smtClean="0"/>
+                    <a:t>CARNIVORA</a:t>
+                  </a:r>
+                  <a:endParaRPr lang="pt-PT" sz="1200" dirty="0"/>
+                </a:p>
+              </p:txBody>
+            </p:sp>
+          </p:grpSp>
+          <p:pic>
+            <p:nvPicPr>
+              <p:cNvPr id="18" name="Imagem 17"/>
+              <p:cNvPicPr>
+                <a:picLocks noChangeAspect="1"/>
+              </p:cNvPicPr>
+              <p:nvPr/>
+            </p:nvPicPr>
+            <p:blipFill>
+              <a:blip r:embed="rId2" cstate="print">
+                <a:extLst>
+                  <a:ext uri="{28A0092B-C50C-407E-A947-70E740481C1C}">
+                    <a14:useLocalDpi xmlns:a14="http://schemas.microsoft.com/office/drawing/2010/main" val="0"/>
+                  </a:ext>
+                </a:extLst>
+              </a:blip>
+              <a:stretch>
+                <a:fillRect/>
+              </a:stretch>
+            </p:blipFill>
+            <p:spPr>
+              <a:xfrm>
+                <a:off x="2626387" y="8282940"/>
+                <a:ext cx="525942" cy="394457"/>
+              </a:xfrm>
+              <a:prstGeom prst="rect">
+                <a:avLst/>
+              </a:prstGeom>
+            </p:spPr>
+          </p:pic>
+          <p:pic>
+            <p:nvPicPr>
+              <p:cNvPr id="21" name="Imagem 20"/>
+              <p:cNvPicPr>
+                <a:picLocks noChangeAspect="1"/>
+              </p:cNvPicPr>
+              <p:nvPr/>
+            </p:nvPicPr>
+            <p:blipFill>
+              <a:blip r:embed="rId3" cstate="print">
+                <a:extLst>
+                  <a:ext uri="{28A0092B-C50C-407E-A947-70E740481C1C}">
+                    <a14:useLocalDpi xmlns:a14="http://schemas.microsoft.com/office/drawing/2010/main" val="0"/>
+                  </a:ext>
+                </a:extLst>
+              </a:blip>
+              <a:stretch>
+                <a:fillRect/>
+              </a:stretch>
+            </p:blipFill>
+            <p:spPr>
+              <a:xfrm>
+                <a:off x="5562600" y="8282940"/>
+                <a:ext cx="525063" cy="397865"/>
+              </a:xfrm>
+              <a:prstGeom prst="rect">
+                <a:avLst/>
+              </a:prstGeom>
+            </p:spPr>
+          </p:pic>
+          <p:pic>
+            <p:nvPicPr>
+              <p:cNvPr id="80" name="Imagem 79"/>
+              <p:cNvPicPr>
+                <a:picLocks noChangeAspect="1"/>
+              </p:cNvPicPr>
+              <p:nvPr/>
+            </p:nvPicPr>
+            <p:blipFill>
+              <a:blip r:embed="rId4" cstate="print">
+                <a:extLst>
+                  <a:ext uri="{28A0092B-C50C-407E-A947-70E740481C1C}">
+                    <a14:useLocalDpi xmlns:a14="http://schemas.microsoft.com/office/drawing/2010/main" val="0"/>
+                  </a:ext>
+                </a:extLst>
+              </a:blip>
+              <a:stretch>
+                <a:fillRect/>
+              </a:stretch>
+            </p:blipFill>
+            <p:spPr>
+              <a:xfrm>
+                <a:off x="4233110" y="8204660"/>
+                <a:ext cx="248709" cy="479301"/>
+              </a:xfrm>
+              <a:prstGeom prst="rect">
+                <a:avLst/>
+              </a:prstGeom>
+            </p:spPr>
+          </p:pic>
+        </p:grpSp>
       </p:grpSp>
     </p:spTree>
     <p:extLst>
@@ -3589,6 +5218,2510 @@
       </p:par>
     </p:tnLst>
   </p:timing>
+</p:sld>
+</file>
+
+<file path=ppt/slides/slide2.xml><?xml version="1.0" encoding="utf-8"?>
+<p:sld xmlns:a="http://schemas.openxmlformats.org/drawingml/2006/main" xmlns:r="http://schemas.openxmlformats.org/officeDocument/2006/relationships" xmlns:p="http://schemas.openxmlformats.org/presentationml/2006/main">
+  <p:cSld>
+    <p:spTree>
+      <p:nvGrpSpPr>
+        <p:cNvPr id="1" name=""/>
+        <p:cNvGrpSpPr/>
+        <p:nvPr/>
+      </p:nvGrpSpPr>
+      <p:grpSpPr>
+        <a:xfrm>
+          <a:off x="0" y="0"/>
+          <a:ext cx="0" cy="0"/>
+          <a:chOff x="0" y="0"/>
+          <a:chExt cx="0" cy="0"/>
+        </a:xfrm>
+      </p:grpSpPr>
+      <p:grpSp>
+        <p:nvGrpSpPr>
+          <p:cNvPr id="38" name="Grupo 37"/>
+          <p:cNvGrpSpPr/>
+          <p:nvPr/>
+        </p:nvGrpSpPr>
+        <p:grpSpPr>
+          <a:xfrm>
+            <a:off x="511810" y="4615497"/>
+            <a:ext cx="5834382" cy="3194281"/>
+            <a:chOff x="511810" y="4615497"/>
+            <a:chExt cx="5834382" cy="3194281"/>
+          </a:xfrm>
+        </p:grpSpPr>
+        <p:grpSp>
+          <p:nvGrpSpPr>
+            <p:cNvPr id="4" name="Grupo 3"/>
+            <p:cNvGrpSpPr/>
+            <p:nvPr/>
+          </p:nvGrpSpPr>
+          <p:grpSpPr>
+            <a:xfrm>
+              <a:off x="511810" y="4615497"/>
+              <a:ext cx="5834382" cy="2961006"/>
+              <a:chOff x="0" y="0"/>
+              <a:chExt cx="5834832" cy="2961339"/>
+            </a:xfrm>
+          </p:grpSpPr>
+          <p:grpSp>
+            <p:nvGrpSpPr>
+              <p:cNvPr id="5" name="Grupo 4"/>
+              <p:cNvGrpSpPr/>
+              <p:nvPr/>
+            </p:nvGrpSpPr>
+            <p:grpSpPr>
+              <a:xfrm>
+                <a:off x="0" y="0"/>
+                <a:ext cx="1426008" cy="2482038"/>
+                <a:chOff x="0" y="0"/>
+                <a:chExt cx="1426008" cy="2482038"/>
+              </a:xfrm>
+            </p:grpSpPr>
+            <p:sp>
+              <p:nvSpPr>
+                <p:cNvPr id="27" name="Retângulo arredondado 26"/>
+                <p:cNvSpPr/>
+                <p:nvPr/>
+              </p:nvSpPr>
+              <p:spPr>
+                <a:xfrm>
+                  <a:off x="0" y="718788"/>
+                  <a:ext cx="1426008" cy="325671"/>
+                </a:xfrm>
+                <a:prstGeom prst="roundRect">
+                  <a:avLst>
+                    <a:gd name="adj" fmla="val 27012"/>
+                  </a:avLst>
+                </a:prstGeom>
+                <a:gradFill>
+                  <a:gsLst>
+                    <a:gs pos="55000">
+                      <a:srgbClr val="7798B6"/>
+                    </a:gs>
+                    <a:gs pos="9000">
+                      <a:schemeClr val="accent1">
+                        <a:lumMod val="50000"/>
+                      </a:schemeClr>
+                    </a:gs>
+                    <a:gs pos="96000">
+                      <a:srgbClr val="A3BDD4"/>
+                    </a:gs>
+                    <a:gs pos="100000">
+                      <a:schemeClr val="accent1">
+                        <a:lumMod val="30000"/>
+                        <a:lumOff val="70000"/>
+                      </a:schemeClr>
+                    </a:gs>
+                  </a:gsLst>
+                  <a:lin ang="16200000" scaled="1"/>
+                </a:gradFill>
+                <a:ln>
+                  <a:noFill/>
+                </a:ln>
+              </p:spPr>
+              <p:style>
+                <a:lnRef idx="2">
+                  <a:schemeClr val="accent1">
+                    <a:shade val="50000"/>
+                  </a:schemeClr>
+                </a:lnRef>
+                <a:fillRef idx="1">
+                  <a:schemeClr val="accent1"/>
+                </a:fillRef>
+                <a:effectRef idx="0">
+                  <a:schemeClr val="accent1"/>
+                </a:effectRef>
+                <a:fontRef idx="minor">
+                  <a:schemeClr val="lt1"/>
+                </a:fontRef>
+              </p:style>
+              <p:txBody>
+                <a:bodyPr rot="0" spcFirstLastPara="0" vert="horz" wrap="square" lIns="91440" tIns="45720" rIns="91440" bIns="45720" numCol="1" spcCol="0" rtlCol="0" fromWordArt="0" anchor="ctr" anchorCtr="0" forceAA="0" compatLnSpc="1">
+                  <a:prstTxWarp prst="textNoShape">
+                    <a:avLst/>
+                  </a:prstTxWarp>
+                  <a:noAutofit/>
+                </a:bodyPr>
+                <a:lstStyle/>
+                <a:p>
+                  <a:pPr algn="ctr">
+                    <a:spcAft>
+                      <a:spcPts val="0"/>
+                    </a:spcAft>
+                  </a:pPr>
+                  <a:r>
+                    <a:rPr lang="pt-PT" sz="1200" kern="1200">
+                      <a:solidFill>
+                        <a:srgbClr val="FFFFFF"/>
+                      </a:solidFill>
+                      <a:effectLst/>
+                      <a:ea typeface="Times New Roman" panose="02020603050405020304" pitchFamily="18" charset="0"/>
+                      <a:cs typeface="Times New Roman" panose="02020603050405020304" pitchFamily="18" charset="0"/>
+                    </a:rPr>
+                    <a:t>CLASS</a:t>
+                  </a:r>
+                  <a:endParaRPr lang="pt-PT" sz="1200">
+                    <a:effectLst/>
+                    <a:latin typeface="Times New Roman" panose="02020603050405020304" pitchFamily="18" charset="0"/>
+                    <a:ea typeface="Times New Roman" panose="02020603050405020304" pitchFamily="18" charset="0"/>
+                  </a:endParaRPr>
+                </a:p>
+              </p:txBody>
+            </p:sp>
+            <p:sp>
+              <p:nvSpPr>
+                <p:cNvPr id="28" name="Retângulo arredondado 27"/>
+                <p:cNvSpPr/>
+                <p:nvPr/>
+              </p:nvSpPr>
+              <p:spPr>
+                <a:xfrm>
+                  <a:off x="0" y="2156367"/>
+                  <a:ext cx="1426008" cy="325671"/>
+                </a:xfrm>
+                <a:prstGeom prst="roundRect">
+                  <a:avLst>
+                    <a:gd name="adj" fmla="val 27012"/>
+                  </a:avLst>
+                </a:prstGeom>
+                <a:gradFill>
+                  <a:gsLst>
+                    <a:gs pos="55000">
+                      <a:srgbClr val="7798B6"/>
+                    </a:gs>
+                    <a:gs pos="9000">
+                      <a:schemeClr val="accent1">
+                        <a:lumMod val="50000"/>
+                      </a:schemeClr>
+                    </a:gs>
+                    <a:gs pos="96000">
+                      <a:srgbClr val="A3BDD4"/>
+                    </a:gs>
+                    <a:gs pos="100000">
+                      <a:schemeClr val="accent1">
+                        <a:lumMod val="30000"/>
+                        <a:lumOff val="70000"/>
+                      </a:schemeClr>
+                    </a:gs>
+                  </a:gsLst>
+                  <a:lin ang="16200000" scaled="1"/>
+                </a:gradFill>
+                <a:ln>
+                  <a:noFill/>
+                </a:ln>
+              </p:spPr>
+              <p:style>
+                <a:lnRef idx="2">
+                  <a:schemeClr val="accent1">
+                    <a:shade val="50000"/>
+                  </a:schemeClr>
+                </a:lnRef>
+                <a:fillRef idx="1">
+                  <a:schemeClr val="accent1"/>
+                </a:fillRef>
+                <a:effectRef idx="0">
+                  <a:schemeClr val="accent1"/>
+                </a:effectRef>
+                <a:fontRef idx="minor">
+                  <a:schemeClr val="lt1"/>
+                </a:fontRef>
+              </p:style>
+              <p:txBody>
+                <a:bodyPr rot="0" spcFirstLastPara="0" vert="horz" wrap="square" lIns="91440" tIns="45720" rIns="91440" bIns="45720" numCol="1" spcCol="0" rtlCol="0" fromWordArt="0" anchor="ctr" anchorCtr="0" forceAA="0" compatLnSpc="1">
+                  <a:prstTxWarp prst="textNoShape">
+                    <a:avLst/>
+                  </a:prstTxWarp>
+                  <a:noAutofit/>
+                </a:bodyPr>
+                <a:lstStyle/>
+                <a:p>
+                  <a:pPr algn="ctr">
+                    <a:spcAft>
+                      <a:spcPts val="0"/>
+                    </a:spcAft>
+                  </a:pPr>
+                  <a:r>
+                    <a:rPr lang="pt-PT" sz="1200" kern="1200">
+                      <a:solidFill>
+                        <a:srgbClr val="FFFFFF"/>
+                      </a:solidFill>
+                      <a:effectLst/>
+                      <a:ea typeface="Times New Roman" panose="02020603050405020304" pitchFamily="18" charset="0"/>
+                      <a:cs typeface="Times New Roman" panose="02020603050405020304" pitchFamily="18" charset="0"/>
+                    </a:rPr>
+                    <a:t>SPECIES</a:t>
+                  </a:r>
+                  <a:endParaRPr lang="pt-PT" sz="1200">
+                    <a:effectLst/>
+                    <a:latin typeface="Times New Roman" panose="02020603050405020304" pitchFamily="18" charset="0"/>
+                    <a:ea typeface="Times New Roman" panose="02020603050405020304" pitchFamily="18" charset="0"/>
+                  </a:endParaRPr>
+                </a:p>
+              </p:txBody>
+            </p:sp>
+            <p:sp>
+              <p:nvSpPr>
+                <p:cNvPr id="29" name="Retângulo arredondado 28"/>
+                <p:cNvSpPr/>
+                <p:nvPr/>
+              </p:nvSpPr>
+              <p:spPr>
+                <a:xfrm>
+                  <a:off x="0" y="1796970"/>
+                  <a:ext cx="1426008" cy="325671"/>
+                </a:xfrm>
+                <a:prstGeom prst="roundRect">
+                  <a:avLst>
+                    <a:gd name="adj" fmla="val 27012"/>
+                  </a:avLst>
+                </a:prstGeom>
+                <a:gradFill>
+                  <a:gsLst>
+                    <a:gs pos="55000">
+                      <a:srgbClr val="7798B6"/>
+                    </a:gs>
+                    <a:gs pos="9000">
+                      <a:schemeClr val="accent1">
+                        <a:lumMod val="50000"/>
+                      </a:schemeClr>
+                    </a:gs>
+                    <a:gs pos="96000">
+                      <a:srgbClr val="A3BDD4"/>
+                    </a:gs>
+                    <a:gs pos="100000">
+                      <a:schemeClr val="accent1">
+                        <a:lumMod val="30000"/>
+                        <a:lumOff val="70000"/>
+                      </a:schemeClr>
+                    </a:gs>
+                  </a:gsLst>
+                  <a:lin ang="16200000" scaled="1"/>
+                </a:gradFill>
+                <a:ln>
+                  <a:noFill/>
+                </a:ln>
+              </p:spPr>
+              <p:style>
+                <a:lnRef idx="2">
+                  <a:schemeClr val="accent1">
+                    <a:shade val="50000"/>
+                  </a:schemeClr>
+                </a:lnRef>
+                <a:fillRef idx="1">
+                  <a:schemeClr val="accent1"/>
+                </a:fillRef>
+                <a:effectRef idx="0">
+                  <a:schemeClr val="accent1"/>
+                </a:effectRef>
+                <a:fontRef idx="minor">
+                  <a:schemeClr val="lt1"/>
+                </a:fontRef>
+              </p:style>
+              <p:txBody>
+                <a:bodyPr rot="0" spcFirstLastPara="0" vert="horz" wrap="square" lIns="91440" tIns="45720" rIns="91440" bIns="45720" numCol="1" spcCol="0" rtlCol="0" fromWordArt="0" anchor="ctr" anchorCtr="0" forceAA="0" compatLnSpc="1">
+                  <a:prstTxWarp prst="textNoShape">
+                    <a:avLst/>
+                  </a:prstTxWarp>
+                  <a:noAutofit/>
+                </a:bodyPr>
+                <a:lstStyle/>
+                <a:p>
+                  <a:pPr algn="ctr">
+                    <a:spcAft>
+                      <a:spcPts val="0"/>
+                    </a:spcAft>
+                  </a:pPr>
+                  <a:r>
+                    <a:rPr lang="pt-PT" sz="1200" kern="1200">
+                      <a:solidFill>
+                        <a:srgbClr val="FFFFFF"/>
+                      </a:solidFill>
+                      <a:effectLst/>
+                      <a:ea typeface="Times New Roman" panose="02020603050405020304" pitchFamily="18" charset="0"/>
+                      <a:cs typeface="Times New Roman" panose="02020603050405020304" pitchFamily="18" charset="0"/>
+                    </a:rPr>
+                    <a:t>GENUS</a:t>
+                  </a:r>
+                  <a:endParaRPr lang="pt-PT" sz="1200">
+                    <a:effectLst/>
+                    <a:latin typeface="Times New Roman" panose="02020603050405020304" pitchFamily="18" charset="0"/>
+                    <a:ea typeface="Times New Roman" panose="02020603050405020304" pitchFamily="18" charset="0"/>
+                  </a:endParaRPr>
+                </a:p>
+              </p:txBody>
+            </p:sp>
+            <p:sp>
+              <p:nvSpPr>
+                <p:cNvPr id="30" name="Retângulo arredondado 29"/>
+                <p:cNvSpPr/>
+                <p:nvPr/>
+              </p:nvSpPr>
+              <p:spPr>
+                <a:xfrm>
+                  <a:off x="0" y="1437576"/>
+                  <a:ext cx="1426008" cy="325671"/>
+                </a:xfrm>
+                <a:prstGeom prst="roundRect">
+                  <a:avLst>
+                    <a:gd name="adj" fmla="val 27012"/>
+                  </a:avLst>
+                </a:prstGeom>
+                <a:gradFill>
+                  <a:gsLst>
+                    <a:gs pos="55000">
+                      <a:srgbClr val="7798B6"/>
+                    </a:gs>
+                    <a:gs pos="9000">
+                      <a:schemeClr val="accent1">
+                        <a:lumMod val="50000"/>
+                      </a:schemeClr>
+                    </a:gs>
+                    <a:gs pos="96000">
+                      <a:srgbClr val="A3BDD4"/>
+                    </a:gs>
+                    <a:gs pos="100000">
+                      <a:schemeClr val="accent1">
+                        <a:lumMod val="30000"/>
+                        <a:lumOff val="70000"/>
+                      </a:schemeClr>
+                    </a:gs>
+                  </a:gsLst>
+                  <a:lin ang="16200000" scaled="1"/>
+                </a:gradFill>
+                <a:ln>
+                  <a:noFill/>
+                </a:ln>
+              </p:spPr>
+              <p:style>
+                <a:lnRef idx="2">
+                  <a:schemeClr val="accent1">
+                    <a:shade val="50000"/>
+                  </a:schemeClr>
+                </a:lnRef>
+                <a:fillRef idx="1">
+                  <a:schemeClr val="accent1"/>
+                </a:fillRef>
+                <a:effectRef idx="0">
+                  <a:schemeClr val="accent1"/>
+                </a:effectRef>
+                <a:fontRef idx="minor">
+                  <a:schemeClr val="lt1"/>
+                </a:fontRef>
+              </p:style>
+              <p:txBody>
+                <a:bodyPr rot="0" spcFirstLastPara="0" vert="horz" wrap="square" lIns="91440" tIns="45720" rIns="91440" bIns="45720" numCol="1" spcCol="0" rtlCol="0" fromWordArt="0" anchor="ctr" anchorCtr="0" forceAA="0" compatLnSpc="1">
+                  <a:prstTxWarp prst="textNoShape">
+                    <a:avLst/>
+                  </a:prstTxWarp>
+                  <a:noAutofit/>
+                </a:bodyPr>
+                <a:lstStyle/>
+                <a:p>
+                  <a:pPr algn="ctr">
+                    <a:spcAft>
+                      <a:spcPts val="0"/>
+                    </a:spcAft>
+                  </a:pPr>
+                  <a:r>
+                    <a:rPr lang="pt-PT" sz="1200" kern="1200">
+                      <a:solidFill>
+                        <a:srgbClr val="FFFFFF"/>
+                      </a:solidFill>
+                      <a:effectLst/>
+                      <a:ea typeface="Times New Roman" panose="02020603050405020304" pitchFamily="18" charset="0"/>
+                      <a:cs typeface="Times New Roman" panose="02020603050405020304" pitchFamily="18" charset="0"/>
+                    </a:rPr>
+                    <a:t>FAMILY</a:t>
+                  </a:r>
+                  <a:endParaRPr lang="pt-PT" sz="1200">
+                    <a:effectLst/>
+                    <a:latin typeface="Times New Roman" panose="02020603050405020304" pitchFamily="18" charset="0"/>
+                    <a:ea typeface="Times New Roman" panose="02020603050405020304" pitchFamily="18" charset="0"/>
+                  </a:endParaRPr>
+                </a:p>
+              </p:txBody>
+            </p:sp>
+            <p:sp>
+              <p:nvSpPr>
+                <p:cNvPr id="31" name="Retângulo arredondado 30"/>
+                <p:cNvSpPr/>
+                <p:nvPr/>
+              </p:nvSpPr>
+              <p:spPr>
+                <a:xfrm>
+                  <a:off x="0" y="1078182"/>
+                  <a:ext cx="1426008" cy="325671"/>
+                </a:xfrm>
+                <a:prstGeom prst="roundRect">
+                  <a:avLst>
+                    <a:gd name="adj" fmla="val 27012"/>
+                  </a:avLst>
+                </a:prstGeom>
+                <a:gradFill>
+                  <a:gsLst>
+                    <a:gs pos="55000">
+                      <a:srgbClr val="7798B6"/>
+                    </a:gs>
+                    <a:gs pos="9000">
+                      <a:schemeClr val="accent1">
+                        <a:lumMod val="50000"/>
+                      </a:schemeClr>
+                    </a:gs>
+                    <a:gs pos="96000">
+                      <a:srgbClr val="A3BDD4"/>
+                    </a:gs>
+                    <a:gs pos="100000">
+                      <a:schemeClr val="accent1">
+                        <a:lumMod val="30000"/>
+                        <a:lumOff val="70000"/>
+                      </a:schemeClr>
+                    </a:gs>
+                  </a:gsLst>
+                  <a:lin ang="16200000" scaled="1"/>
+                </a:gradFill>
+                <a:ln>
+                  <a:noFill/>
+                </a:ln>
+              </p:spPr>
+              <p:style>
+                <a:lnRef idx="2">
+                  <a:schemeClr val="accent1">
+                    <a:shade val="50000"/>
+                  </a:schemeClr>
+                </a:lnRef>
+                <a:fillRef idx="1">
+                  <a:schemeClr val="accent1"/>
+                </a:fillRef>
+                <a:effectRef idx="0">
+                  <a:schemeClr val="accent1"/>
+                </a:effectRef>
+                <a:fontRef idx="minor">
+                  <a:schemeClr val="lt1"/>
+                </a:fontRef>
+              </p:style>
+              <p:txBody>
+                <a:bodyPr rot="0" spcFirstLastPara="0" vert="horz" wrap="square" lIns="91440" tIns="45720" rIns="91440" bIns="45720" numCol="1" spcCol="0" rtlCol="0" fromWordArt="0" anchor="ctr" anchorCtr="0" forceAA="0" compatLnSpc="1">
+                  <a:prstTxWarp prst="textNoShape">
+                    <a:avLst/>
+                  </a:prstTxWarp>
+                  <a:noAutofit/>
+                </a:bodyPr>
+                <a:lstStyle/>
+                <a:p>
+                  <a:pPr algn="ctr">
+                    <a:spcAft>
+                      <a:spcPts val="0"/>
+                    </a:spcAft>
+                  </a:pPr>
+                  <a:r>
+                    <a:rPr lang="pt-PT" sz="1200" kern="1200">
+                      <a:solidFill>
+                        <a:srgbClr val="FFFFFF"/>
+                      </a:solidFill>
+                      <a:effectLst/>
+                      <a:ea typeface="Times New Roman" panose="02020603050405020304" pitchFamily="18" charset="0"/>
+                      <a:cs typeface="Times New Roman" panose="02020603050405020304" pitchFamily="18" charset="0"/>
+                    </a:rPr>
+                    <a:t>ORDER</a:t>
+                  </a:r>
+                  <a:endParaRPr lang="pt-PT" sz="1200">
+                    <a:effectLst/>
+                    <a:latin typeface="Times New Roman" panose="02020603050405020304" pitchFamily="18" charset="0"/>
+                    <a:ea typeface="Times New Roman" panose="02020603050405020304" pitchFamily="18" charset="0"/>
+                  </a:endParaRPr>
+                </a:p>
+              </p:txBody>
+            </p:sp>
+            <p:sp>
+              <p:nvSpPr>
+                <p:cNvPr id="32" name="Retângulo arredondado 31"/>
+                <p:cNvSpPr/>
+                <p:nvPr/>
+              </p:nvSpPr>
+              <p:spPr>
+                <a:xfrm>
+                  <a:off x="0" y="359394"/>
+                  <a:ext cx="1426008" cy="325671"/>
+                </a:xfrm>
+                <a:prstGeom prst="roundRect">
+                  <a:avLst>
+                    <a:gd name="adj" fmla="val 27012"/>
+                  </a:avLst>
+                </a:prstGeom>
+                <a:gradFill>
+                  <a:gsLst>
+                    <a:gs pos="55000">
+                      <a:srgbClr val="7798B6"/>
+                    </a:gs>
+                    <a:gs pos="9000">
+                      <a:schemeClr val="accent1">
+                        <a:lumMod val="50000"/>
+                      </a:schemeClr>
+                    </a:gs>
+                    <a:gs pos="96000">
+                      <a:srgbClr val="A3BDD4"/>
+                    </a:gs>
+                    <a:gs pos="100000">
+                      <a:schemeClr val="accent1">
+                        <a:lumMod val="30000"/>
+                        <a:lumOff val="70000"/>
+                      </a:schemeClr>
+                    </a:gs>
+                  </a:gsLst>
+                  <a:lin ang="16200000" scaled="1"/>
+                </a:gradFill>
+                <a:ln>
+                  <a:noFill/>
+                </a:ln>
+              </p:spPr>
+              <p:style>
+                <a:lnRef idx="2">
+                  <a:schemeClr val="accent1">
+                    <a:shade val="50000"/>
+                  </a:schemeClr>
+                </a:lnRef>
+                <a:fillRef idx="1">
+                  <a:schemeClr val="accent1"/>
+                </a:fillRef>
+                <a:effectRef idx="0">
+                  <a:schemeClr val="accent1"/>
+                </a:effectRef>
+                <a:fontRef idx="minor">
+                  <a:schemeClr val="lt1"/>
+                </a:fontRef>
+              </p:style>
+              <p:txBody>
+                <a:bodyPr rot="0" spcFirstLastPara="0" vert="horz" wrap="square" lIns="91440" tIns="45720" rIns="91440" bIns="45720" numCol="1" spcCol="0" rtlCol="0" fromWordArt="0" anchor="ctr" anchorCtr="0" forceAA="0" compatLnSpc="1">
+                  <a:prstTxWarp prst="textNoShape">
+                    <a:avLst/>
+                  </a:prstTxWarp>
+                  <a:noAutofit/>
+                </a:bodyPr>
+                <a:lstStyle/>
+                <a:p>
+                  <a:pPr algn="ctr">
+                    <a:spcAft>
+                      <a:spcPts val="0"/>
+                    </a:spcAft>
+                  </a:pPr>
+                  <a:r>
+                    <a:rPr lang="pt-PT" sz="1200" kern="1200">
+                      <a:solidFill>
+                        <a:srgbClr val="FFFFFF"/>
+                      </a:solidFill>
+                      <a:effectLst/>
+                      <a:ea typeface="Times New Roman" panose="02020603050405020304" pitchFamily="18" charset="0"/>
+                      <a:cs typeface="Times New Roman" panose="02020603050405020304" pitchFamily="18" charset="0"/>
+                    </a:rPr>
+                    <a:t>PHYLUM</a:t>
+                  </a:r>
+                  <a:endParaRPr lang="pt-PT" sz="1200">
+                    <a:effectLst/>
+                    <a:latin typeface="Times New Roman" panose="02020603050405020304" pitchFamily="18" charset="0"/>
+                    <a:ea typeface="Times New Roman" panose="02020603050405020304" pitchFamily="18" charset="0"/>
+                  </a:endParaRPr>
+                </a:p>
+              </p:txBody>
+            </p:sp>
+            <p:sp>
+              <p:nvSpPr>
+                <p:cNvPr id="33" name="Retângulo arredondado 32"/>
+                <p:cNvSpPr/>
+                <p:nvPr/>
+              </p:nvSpPr>
+              <p:spPr>
+                <a:xfrm>
+                  <a:off x="0" y="0"/>
+                  <a:ext cx="1426008" cy="325671"/>
+                </a:xfrm>
+                <a:prstGeom prst="roundRect">
+                  <a:avLst>
+                    <a:gd name="adj" fmla="val 27012"/>
+                  </a:avLst>
+                </a:prstGeom>
+                <a:gradFill>
+                  <a:gsLst>
+                    <a:gs pos="55000">
+                      <a:srgbClr val="7798B6"/>
+                    </a:gs>
+                    <a:gs pos="9000">
+                      <a:schemeClr val="accent1">
+                        <a:lumMod val="50000"/>
+                      </a:schemeClr>
+                    </a:gs>
+                    <a:gs pos="96000">
+                      <a:srgbClr val="A3BDD4"/>
+                    </a:gs>
+                    <a:gs pos="100000">
+                      <a:schemeClr val="accent1">
+                        <a:lumMod val="30000"/>
+                        <a:lumOff val="70000"/>
+                      </a:schemeClr>
+                    </a:gs>
+                  </a:gsLst>
+                  <a:lin ang="16200000" scaled="1"/>
+                </a:gradFill>
+                <a:ln>
+                  <a:noFill/>
+                </a:ln>
+              </p:spPr>
+              <p:style>
+                <a:lnRef idx="2">
+                  <a:schemeClr val="accent1">
+                    <a:shade val="50000"/>
+                  </a:schemeClr>
+                </a:lnRef>
+                <a:fillRef idx="1">
+                  <a:schemeClr val="accent1"/>
+                </a:fillRef>
+                <a:effectRef idx="0">
+                  <a:schemeClr val="accent1"/>
+                </a:effectRef>
+                <a:fontRef idx="minor">
+                  <a:schemeClr val="lt1"/>
+                </a:fontRef>
+              </p:style>
+              <p:txBody>
+                <a:bodyPr rot="0" spcFirstLastPara="0" vert="horz" wrap="square" lIns="91440" tIns="45720" rIns="91440" bIns="45720" numCol="1" spcCol="0" rtlCol="0" fromWordArt="0" anchor="ctr" anchorCtr="0" forceAA="0" compatLnSpc="1">
+                  <a:prstTxWarp prst="textNoShape">
+                    <a:avLst/>
+                  </a:prstTxWarp>
+                  <a:noAutofit/>
+                </a:bodyPr>
+                <a:lstStyle/>
+                <a:p>
+                  <a:pPr algn="ctr">
+                    <a:spcAft>
+                      <a:spcPts val="0"/>
+                    </a:spcAft>
+                  </a:pPr>
+                  <a:r>
+                    <a:rPr lang="pt-PT" sz="1200" kern="1200">
+                      <a:solidFill>
+                        <a:srgbClr val="FFFFFF"/>
+                      </a:solidFill>
+                      <a:effectLst/>
+                      <a:ea typeface="Times New Roman" panose="02020603050405020304" pitchFamily="18" charset="0"/>
+                      <a:cs typeface="Times New Roman" panose="02020603050405020304" pitchFamily="18" charset="0"/>
+                    </a:rPr>
+                    <a:t>KINGDOM</a:t>
+                  </a:r>
+                  <a:endParaRPr lang="pt-PT" sz="1200">
+                    <a:effectLst/>
+                    <a:latin typeface="Times New Roman" panose="02020603050405020304" pitchFamily="18" charset="0"/>
+                    <a:ea typeface="Times New Roman" panose="02020603050405020304" pitchFamily="18" charset="0"/>
+                  </a:endParaRPr>
+                </a:p>
+              </p:txBody>
+            </p:sp>
+          </p:grpSp>
+          <p:grpSp>
+            <p:nvGrpSpPr>
+              <p:cNvPr id="6" name="Grupo 5"/>
+              <p:cNvGrpSpPr/>
+              <p:nvPr/>
+            </p:nvGrpSpPr>
+            <p:grpSpPr>
+              <a:xfrm>
+                <a:off x="1469608" y="0"/>
+                <a:ext cx="4365224" cy="2961339"/>
+                <a:chOff x="1469608" y="0"/>
+                <a:chExt cx="4365224" cy="2961339"/>
+              </a:xfrm>
+            </p:grpSpPr>
+            <p:grpSp>
+              <p:nvGrpSpPr>
+                <p:cNvPr id="7" name="Grupo 6"/>
+                <p:cNvGrpSpPr/>
+                <p:nvPr/>
+              </p:nvGrpSpPr>
+              <p:grpSpPr>
+                <a:xfrm>
+                  <a:off x="1469608" y="0"/>
+                  <a:ext cx="4365224" cy="2457062"/>
+                  <a:chOff x="1469608" y="0"/>
+                  <a:chExt cx="4365224" cy="2457062"/>
+                </a:xfrm>
+              </p:grpSpPr>
+              <p:sp>
+                <p:nvSpPr>
+                  <p:cNvPr id="11" name="Retângulo arredondado 10"/>
+                  <p:cNvSpPr/>
+                  <p:nvPr/>
+                </p:nvSpPr>
+                <p:spPr>
+                  <a:xfrm>
+                    <a:off x="2939217" y="2131391"/>
+                    <a:ext cx="1426008" cy="325671"/>
+                  </a:xfrm>
+                  <a:prstGeom prst="roundRect">
+                    <a:avLst>
+                      <a:gd name="adj" fmla="val 27012"/>
+                    </a:avLst>
+                  </a:prstGeom>
+                  <a:gradFill>
+                    <a:gsLst>
+                      <a:gs pos="55000">
+                        <a:schemeClr val="accent3">
+                          <a:lumMod val="60000"/>
+                          <a:lumOff val="40000"/>
+                        </a:schemeClr>
+                      </a:gs>
+                      <a:gs pos="9000">
+                        <a:schemeClr val="accent1">
+                          <a:lumMod val="50000"/>
+                        </a:schemeClr>
+                      </a:gs>
+                      <a:gs pos="96000">
+                        <a:srgbClr val="A3BDD4"/>
+                      </a:gs>
+                      <a:gs pos="100000">
+                        <a:schemeClr val="accent1">
+                          <a:lumMod val="30000"/>
+                          <a:lumOff val="70000"/>
+                        </a:schemeClr>
+                      </a:gs>
+                    </a:gsLst>
+                    <a:lin ang="16200000" scaled="1"/>
+                  </a:gradFill>
+                  <a:ln>
+                    <a:noFill/>
+                  </a:ln>
+                </p:spPr>
+                <p:style>
+                  <a:lnRef idx="2">
+                    <a:schemeClr val="accent1">
+                      <a:shade val="50000"/>
+                    </a:schemeClr>
+                  </a:lnRef>
+                  <a:fillRef idx="1">
+                    <a:schemeClr val="accent1"/>
+                  </a:fillRef>
+                  <a:effectRef idx="0">
+                    <a:schemeClr val="accent1"/>
+                  </a:effectRef>
+                  <a:fontRef idx="minor">
+                    <a:schemeClr val="lt1"/>
+                  </a:fontRef>
+                </p:style>
+                <p:txBody>
+                  <a:bodyPr rot="0" spcFirstLastPara="0" vert="horz" wrap="square" lIns="91440" tIns="45720" rIns="91440" bIns="45720" numCol="1" spcCol="0" rtlCol="0" fromWordArt="0" anchor="ctr" anchorCtr="0" forceAA="0" compatLnSpc="1">
+                    <a:prstTxWarp prst="textNoShape">
+                      <a:avLst/>
+                    </a:prstTxWarp>
+                    <a:noAutofit/>
+                  </a:bodyPr>
+                  <a:lstStyle/>
+                  <a:p>
+                    <a:pPr algn="ctr">
+                      <a:spcAft>
+                        <a:spcPts val="0"/>
+                      </a:spcAft>
+                    </a:pPr>
+                    <a:r>
+                      <a:rPr lang="pt-PT" sz="1200" kern="1200" dirty="0">
+                        <a:solidFill>
+                          <a:schemeClr val="tx1"/>
+                        </a:solidFill>
+                        <a:effectLst/>
+                        <a:ea typeface="Times New Roman" panose="02020603050405020304" pitchFamily="18" charset="0"/>
+                        <a:cs typeface="Times New Roman" panose="02020603050405020304" pitchFamily="18" charset="0"/>
+                      </a:rPr>
+                      <a:t>HOMO SAPIENS</a:t>
+                    </a:r>
+                    <a:endParaRPr lang="pt-PT" sz="1200" dirty="0">
+                      <a:solidFill>
+                        <a:schemeClr val="tx1"/>
+                      </a:solidFill>
+                      <a:effectLst/>
+                      <a:latin typeface="Times New Roman" panose="02020603050405020304" pitchFamily="18" charset="0"/>
+                      <a:ea typeface="Times New Roman" panose="02020603050405020304" pitchFamily="18" charset="0"/>
+                    </a:endParaRPr>
+                  </a:p>
+                </p:txBody>
+              </p:sp>
+              <p:sp>
+                <p:nvSpPr>
+                  <p:cNvPr id="12" name="Retângulo arredondado 11"/>
+                  <p:cNvSpPr/>
+                  <p:nvPr/>
+                </p:nvSpPr>
+                <p:spPr>
+                  <a:xfrm>
+                    <a:off x="2939217" y="1776160"/>
+                    <a:ext cx="1426008" cy="325671"/>
+                  </a:xfrm>
+                  <a:prstGeom prst="roundRect">
+                    <a:avLst>
+                      <a:gd name="adj" fmla="val 27012"/>
+                    </a:avLst>
+                  </a:prstGeom>
+                  <a:gradFill>
+                    <a:gsLst>
+                      <a:gs pos="55000">
+                        <a:schemeClr val="accent3">
+                          <a:lumMod val="60000"/>
+                          <a:lumOff val="40000"/>
+                        </a:schemeClr>
+                      </a:gs>
+                      <a:gs pos="9000">
+                        <a:schemeClr val="accent1">
+                          <a:lumMod val="50000"/>
+                        </a:schemeClr>
+                      </a:gs>
+                      <a:gs pos="96000">
+                        <a:srgbClr val="A3BDD4"/>
+                      </a:gs>
+                      <a:gs pos="100000">
+                        <a:schemeClr val="accent1">
+                          <a:lumMod val="30000"/>
+                          <a:lumOff val="70000"/>
+                        </a:schemeClr>
+                      </a:gs>
+                    </a:gsLst>
+                    <a:lin ang="16200000" scaled="1"/>
+                  </a:gradFill>
+                  <a:ln>
+                    <a:noFill/>
+                  </a:ln>
+                </p:spPr>
+                <p:style>
+                  <a:lnRef idx="2">
+                    <a:schemeClr val="accent1">
+                      <a:shade val="50000"/>
+                    </a:schemeClr>
+                  </a:lnRef>
+                  <a:fillRef idx="1">
+                    <a:schemeClr val="accent1"/>
+                  </a:fillRef>
+                  <a:effectRef idx="0">
+                    <a:schemeClr val="accent1"/>
+                  </a:effectRef>
+                  <a:fontRef idx="minor">
+                    <a:schemeClr val="lt1"/>
+                  </a:fontRef>
+                </p:style>
+                <p:txBody>
+                  <a:bodyPr rot="0" spcFirstLastPara="0" vert="horz" wrap="square" lIns="91440" tIns="45720" rIns="91440" bIns="45720" numCol="1" spcCol="0" rtlCol="0" fromWordArt="0" anchor="ctr" anchorCtr="0" forceAA="0" compatLnSpc="1">
+                    <a:prstTxWarp prst="textNoShape">
+                      <a:avLst/>
+                    </a:prstTxWarp>
+                    <a:noAutofit/>
+                  </a:bodyPr>
+                  <a:lstStyle/>
+                  <a:p>
+                    <a:pPr algn="ctr">
+                      <a:spcAft>
+                        <a:spcPts val="0"/>
+                      </a:spcAft>
+                    </a:pPr>
+                    <a:r>
+                      <a:rPr lang="pt-PT" sz="1200" kern="1200" dirty="0">
+                        <a:solidFill>
+                          <a:schemeClr val="tx1"/>
+                        </a:solidFill>
+                        <a:effectLst/>
+                        <a:ea typeface="Times New Roman" panose="02020603050405020304" pitchFamily="18" charset="0"/>
+                        <a:cs typeface="Times New Roman" panose="02020603050405020304" pitchFamily="18" charset="0"/>
+                      </a:rPr>
+                      <a:t>HOMO</a:t>
+                    </a:r>
+                    <a:endParaRPr lang="pt-PT" sz="1200" dirty="0">
+                      <a:solidFill>
+                        <a:schemeClr val="tx1"/>
+                      </a:solidFill>
+                      <a:effectLst/>
+                      <a:latin typeface="Times New Roman" panose="02020603050405020304" pitchFamily="18" charset="0"/>
+                      <a:ea typeface="Times New Roman" panose="02020603050405020304" pitchFamily="18" charset="0"/>
+                    </a:endParaRPr>
+                  </a:p>
+                </p:txBody>
+              </p:sp>
+              <p:sp>
+                <p:nvSpPr>
+                  <p:cNvPr id="13" name="Retângulo arredondado 12"/>
+                  <p:cNvSpPr/>
+                  <p:nvPr/>
+                </p:nvSpPr>
+                <p:spPr>
+                  <a:xfrm>
+                    <a:off x="2939217" y="1420928"/>
+                    <a:ext cx="1426008" cy="325671"/>
+                  </a:xfrm>
+                  <a:prstGeom prst="roundRect">
+                    <a:avLst>
+                      <a:gd name="adj" fmla="val 27012"/>
+                    </a:avLst>
+                  </a:prstGeom>
+                  <a:gradFill>
+                    <a:gsLst>
+                      <a:gs pos="55000">
+                        <a:schemeClr val="accent3">
+                          <a:lumMod val="60000"/>
+                          <a:lumOff val="40000"/>
+                        </a:schemeClr>
+                      </a:gs>
+                      <a:gs pos="9000">
+                        <a:schemeClr val="accent1">
+                          <a:lumMod val="50000"/>
+                        </a:schemeClr>
+                      </a:gs>
+                      <a:gs pos="96000">
+                        <a:srgbClr val="A3BDD4"/>
+                      </a:gs>
+                      <a:gs pos="100000">
+                        <a:schemeClr val="accent1">
+                          <a:lumMod val="30000"/>
+                          <a:lumOff val="70000"/>
+                        </a:schemeClr>
+                      </a:gs>
+                    </a:gsLst>
+                    <a:lin ang="16200000" scaled="1"/>
+                  </a:gradFill>
+                  <a:ln>
+                    <a:noFill/>
+                  </a:ln>
+                </p:spPr>
+                <p:style>
+                  <a:lnRef idx="2">
+                    <a:schemeClr val="accent1">
+                      <a:shade val="50000"/>
+                    </a:schemeClr>
+                  </a:lnRef>
+                  <a:fillRef idx="1">
+                    <a:schemeClr val="accent1"/>
+                  </a:fillRef>
+                  <a:effectRef idx="0">
+                    <a:schemeClr val="accent1"/>
+                  </a:effectRef>
+                  <a:fontRef idx="minor">
+                    <a:schemeClr val="lt1"/>
+                  </a:fontRef>
+                </p:style>
+                <p:txBody>
+                  <a:bodyPr rot="0" spcFirstLastPara="0" vert="horz" wrap="square" lIns="91440" tIns="45720" rIns="91440" bIns="45720" numCol="1" spcCol="0" rtlCol="0" fromWordArt="0" anchor="ctr" anchorCtr="0" forceAA="0" compatLnSpc="1">
+                    <a:prstTxWarp prst="textNoShape">
+                      <a:avLst/>
+                    </a:prstTxWarp>
+                    <a:noAutofit/>
+                  </a:bodyPr>
+                  <a:lstStyle/>
+                  <a:p>
+                    <a:pPr algn="ctr">
+                      <a:spcAft>
+                        <a:spcPts val="0"/>
+                      </a:spcAft>
+                    </a:pPr>
+                    <a:r>
+                      <a:rPr lang="pt-PT" sz="1200" kern="1200" dirty="0">
+                        <a:solidFill>
+                          <a:schemeClr val="tx1"/>
+                        </a:solidFill>
+                        <a:effectLst/>
+                        <a:ea typeface="Times New Roman" panose="02020603050405020304" pitchFamily="18" charset="0"/>
+                        <a:cs typeface="Times New Roman" panose="02020603050405020304" pitchFamily="18" charset="0"/>
+                      </a:rPr>
+                      <a:t>HOMINIDAE</a:t>
+                    </a:r>
+                    <a:endParaRPr lang="pt-PT" sz="1200" dirty="0">
+                      <a:solidFill>
+                        <a:schemeClr val="tx1"/>
+                      </a:solidFill>
+                      <a:effectLst/>
+                      <a:latin typeface="Times New Roman" panose="02020603050405020304" pitchFamily="18" charset="0"/>
+                      <a:ea typeface="Times New Roman" panose="02020603050405020304" pitchFamily="18" charset="0"/>
+                    </a:endParaRPr>
+                  </a:p>
+                </p:txBody>
+              </p:sp>
+              <p:sp>
+                <p:nvSpPr>
+                  <p:cNvPr id="14" name="Retângulo arredondado 13"/>
+                  <p:cNvSpPr/>
+                  <p:nvPr/>
+                </p:nvSpPr>
+                <p:spPr>
+                  <a:xfrm>
+                    <a:off x="2939217" y="1065696"/>
+                    <a:ext cx="1426008" cy="325671"/>
+                  </a:xfrm>
+                  <a:prstGeom prst="roundRect">
+                    <a:avLst>
+                      <a:gd name="adj" fmla="val 27012"/>
+                    </a:avLst>
+                  </a:prstGeom>
+                  <a:gradFill>
+                    <a:gsLst>
+                      <a:gs pos="55000">
+                        <a:schemeClr val="accent3">
+                          <a:lumMod val="60000"/>
+                          <a:lumOff val="40000"/>
+                        </a:schemeClr>
+                      </a:gs>
+                      <a:gs pos="9000">
+                        <a:schemeClr val="accent1">
+                          <a:lumMod val="50000"/>
+                        </a:schemeClr>
+                      </a:gs>
+                      <a:gs pos="96000">
+                        <a:srgbClr val="A3BDD4"/>
+                      </a:gs>
+                      <a:gs pos="100000">
+                        <a:schemeClr val="accent1">
+                          <a:lumMod val="30000"/>
+                          <a:lumOff val="70000"/>
+                        </a:schemeClr>
+                      </a:gs>
+                    </a:gsLst>
+                    <a:lin ang="16200000" scaled="1"/>
+                  </a:gradFill>
+                  <a:ln>
+                    <a:noFill/>
+                  </a:ln>
+                </p:spPr>
+                <p:style>
+                  <a:lnRef idx="2">
+                    <a:schemeClr val="accent1">
+                      <a:shade val="50000"/>
+                    </a:schemeClr>
+                  </a:lnRef>
+                  <a:fillRef idx="1">
+                    <a:schemeClr val="accent1"/>
+                  </a:fillRef>
+                  <a:effectRef idx="0">
+                    <a:schemeClr val="accent1"/>
+                  </a:effectRef>
+                  <a:fontRef idx="minor">
+                    <a:schemeClr val="lt1"/>
+                  </a:fontRef>
+                </p:style>
+                <p:txBody>
+                  <a:bodyPr rot="0" spcFirstLastPara="0" vert="horz" wrap="square" lIns="91440" tIns="45720" rIns="91440" bIns="45720" numCol="1" spcCol="0" rtlCol="0" fromWordArt="0" anchor="ctr" anchorCtr="0" forceAA="0" compatLnSpc="1">
+                    <a:prstTxWarp prst="textNoShape">
+                      <a:avLst/>
+                    </a:prstTxWarp>
+                    <a:noAutofit/>
+                  </a:bodyPr>
+                  <a:lstStyle/>
+                  <a:p>
+                    <a:pPr algn="ctr">
+                      <a:spcAft>
+                        <a:spcPts val="0"/>
+                      </a:spcAft>
+                    </a:pPr>
+                    <a:r>
+                      <a:rPr lang="pt-PT" sz="1200" kern="1200" dirty="0">
+                        <a:solidFill>
+                          <a:schemeClr val="tx1"/>
+                        </a:solidFill>
+                        <a:effectLst/>
+                        <a:ea typeface="Times New Roman" panose="02020603050405020304" pitchFamily="18" charset="0"/>
+                        <a:cs typeface="Times New Roman" panose="02020603050405020304" pitchFamily="18" charset="0"/>
+                      </a:rPr>
+                      <a:t>PRIMATES</a:t>
+                    </a:r>
+                    <a:endParaRPr lang="pt-PT" sz="1200" dirty="0">
+                      <a:solidFill>
+                        <a:schemeClr val="tx1"/>
+                      </a:solidFill>
+                      <a:effectLst/>
+                      <a:latin typeface="Times New Roman" panose="02020603050405020304" pitchFamily="18" charset="0"/>
+                      <a:ea typeface="Times New Roman" panose="02020603050405020304" pitchFamily="18" charset="0"/>
+                    </a:endParaRPr>
+                  </a:p>
+                </p:txBody>
+              </p:sp>
+              <p:sp>
+                <p:nvSpPr>
+                  <p:cNvPr id="15" name="Retângulo arredondado 14"/>
+                  <p:cNvSpPr/>
+                  <p:nvPr/>
+                </p:nvSpPr>
+                <p:spPr>
+                  <a:xfrm>
+                    <a:off x="1469608" y="355232"/>
+                    <a:ext cx="4365223" cy="325671"/>
+                  </a:xfrm>
+                  <a:prstGeom prst="roundRect">
+                    <a:avLst>
+                      <a:gd name="adj" fmla="val 27012"/>
+                    </a:avLst>
+                  </a:prstGeom>
+                  <a:gradFill>
+                    <a:gsLst>
+                      <a:gs pos="55000">
+                        <a:schemeClr val="accent3">
+                          <a:lumMod val="60000"/>
+                          <a:lumOff val="40000"/>
+                        </a:schemeClr>
+                      </a:gs>
+                      <a:gs pos="9000">
+                        <a:schemeClr val="accent1">
+                          <a:lumMod val="50000"/>
+                        </a:schemeClr>
+                      </a:gs>
+                      <a:gs pos="96000">
+                        <a:srgbClr val="A3BDD4"/>
+                      </a:gs>
+                      <a:gs pos="100000">
+                        <a:schemeClr val="accent1">
+                          <a:lumMod val="30000"/>
+                          <a:lumOff val="70000"/>
+                        </a:schemeClr>
+                      </a:gs>
+                    </a:gsLst>
+                    <a:lin ang="16200000" scaled="1"/>
+                  </a:gradFill>
+                  <a:ln>
+                    <a:noFill/>
+                  </a:ln>
+                </p:spPr>
+                <p:style>
+                  <a:lnRef idx="2">
+                    <a:schemeClr val="accent1">
+                      <a:shade val="50000"/>
+                    </a:schemeClr>
+                  </a:lnRef>
+                  <a:fillRef idx="1">
+                    <a:schemeClr val="accent1"/>
+                  </a:fillRef>
+                  <a:effectRef idx="0">
+                    <a:schemeClr val="accent1"/>
+                  </a:effectRef>
+                  <a:fontRef idx="minor">
+                    <a:schemeClr val="lt1"/>
+                  </a:fontRef>
+                </p:style>
+                <p:txBody>
+                  <a:bodyPr rot="0" spcFirstLastPara="0" vert="horz" wrap="square" lIns="91440" tIns="45720" rIns="91440" bIns="45720" numCol="1" spcCol="0" rtlCol="0" fromWordArt="0" anchor="ctr" anchorCtr="0" forceAA="0" compatLnSpc="1">
+                    <a:prstTxWarp prst="textNoShape">
+                      <a:avLst/>
+                    </a:prstTxWarp>
+                    <a:noAutofit/>
+                  </a:bodyPr>
+                  <a:lstStyle/>
+                  <a:p>
+                    <a:pPr algn="ctr">
+                      <a:spcAft>
+                        <a:spcPts val="0"/>
+                      </a:spcAft>
+                    </a:pPr>
+                    <a:r>
+                      <a:rPr lang="pt-PT" sz="1200" kern="1200" dirty="0">
+                        <a:solidFill>
+                          <a:schemeClr val="tx1"/>
+                        </a:solidFill>
+                        <a:effectLst/>
+                        <a:ea typeface="Times New Roman" panose="02020603050405020304" pitchFamily="18" charset="0"/>
+                        <a:cs typeface="Times New Roman" panose="02020603050405020304" pitchFamily="18" charset="0"/>
+                      </a:rPr>
+                      <a:t>CHORDATA</a:t>
+                    </a:r>
+                    <a:endParaRPr lang="pt-PT" sz="1200" dirty="0">
+                      <a:solidFill>
+                        <a:schemeClr val="tx1"/>
+                      </a:solidFill>
+                      <a:effectLst/>
+                      <a:latin typeface="Times New Roman" panose="02020603050405020304" pitchFamily="18" charset="0"/>
+                      <a:ea typeface="Times New Roman" panose="02020603050405020304" pitchFamily="18" charset="0"/>
+                    </a:endParaRPr>
+                  </a:p>
+                </p:txBody>
+              </p:sp>
+              <p:sp>
+                <p:nvSpPr>
+                  <p:cNvPr id="16" name="Retângulo arredondado 15"/>
+                  <p:cNvSpPr/>
+                  <p:nvPr/>
+                </p:nvSpPr>
+                <p:spPr>
+                  <a:xfrm>
+                    <a:off x="1469608" y="0"/>
+                    <a:ext cx="4365223" cy="325671"/>
+                  </a:xfrm>
+                  <a:prstGeom prst="roundRect">
+                    <a:avLst>
+                      <a:gd name="adj" fmla="val 27012"/>
+                    </a:avLst>
+                  </a:prstGeom>
+                  <a:gradFill>
+                    <a:gsLst>
+                      <a:gs pos="55000">
+                        <a:schemeClr val="accent3">
+                          <a:lumMod val="60000"/>
+                          <a:lumOff val="40000"/>
+                        </a:schemeClr>
+                      </a:gs>
+                      <a:gs pos="9000">
+                        <a:schemeClr val="accent1">
+                          <a:lumMod val="50000"/>
+                        </a:schemeClr>
+                      </a:gs>
+                      <a:gs pos="96000">
+                        <a:srgbClr val="A3BDD4"/>
+                      </a:gs>
+                      <a:gs pos="100000">
+                        <a:schemeClr val="accent1">
+                          <a:lumMod val="30000"/>
+                          <a:lumOff val="70000"/>
+                        </a:schemeClr>
+                      </a:gs>
+                    </a:gsLst>
+                    <a:lin ang="16200000" scaled="1"/>
+                  </a:gradFill>
+                  <a:ln>
+                    <a:noFill/>
+                  </a:ln>
+                </p:spPr>
+                <p:style>
+                  <a:lnRef idx="2">
+                    <a:schemeClr val="accent1">
+                      <a:shade val="50000"/>
+                    </a:schemeClr>
+                  </a:lnRef>
+                  <a:fillRef idx="1">
+                    <a:schemeClr val="accent1"/>
+                  </a:fillRef>
+                  <a:effectRef idx="0">
+                    <a:schemeClr val="accent1"/>
+                  </a:effectRef>
+                  <a:fontRef idx="minor">
+                    <a:schemeClr val="lt1"/>
+                  </a:fontRef>
+                </p:style>
+                <p:txBody>
+                  <a:bodyPr rot="0" spcFirstLastPara="0" vert="horz" wrap="square" lIns="91440" tIns="45720" rIns="91440" bIns="45720" numCol="1" spcCol="0" rtlCol="0" fromWordArt="0" anchor="ctr" anchorCtr="0" forceAA="0" compatLnSpc="1">
+                    <a:prstTxWarp prst="textNoShape">
+                      <a:avLst/>
+                    </a:prstTxWarp>
+                    <a:noAutofit/>
+                  </a:bodyPr>
+                  <a:lstStyle/>
+                  <a:p>
+                    <a:pPr algn="ctr">
+                      <a:spcAft>
+                        <a:spcPts val="0"/>
+                      </a:spcAft>
+                    </a:pPr>
+                    <a:r>
+                      <a:rPr lang="pt-PT" sz="1200" kern="1200" dirty="0">
+                        <a:solidFill>
+                          <a:schemeClr val="tx1"/>
+                        </a:solidFill>
+                        <a:effectLst/>
+                        <a:ea typeface="Times New Roman" panose="02020603050405020304" pitchFamily="18" charset="0"/>
+                        <a:cs typeface="Times New Roman" panose="02020603050405020304" pitchFamily="18" charset="0"/>
+                      </a:rPr>
+                      <a:t>ANIMALIA</a:t>
+                    </a:r>
+                    <a:endParaRPr lang="pt-PT" sz="1200" dirty="0">
+                      <a:solidFill>
+                        <a:schemeClr val="tx1"/>
+                      </a:solidFill>
+                      <a:effectLst/>
+                      <a:latin typeface="Times New Roman" panose="02020603050405020304" pitchFamily="18" charset="0"/>
+                      <a:ea typeface="Times New Roman" panose="02020603050405020304" pitchFamily="18" charset="0"/>
+                    </a:endParaRPr>
+                  </a:p>
+                </p:txBody>
+              </p:sp>
+              <p:sp>
+                <p:nvSpPr>
+                  <p:cNvPr id="17" name="Retângulo arredondado 16"/>
+                  <p:cNvSpPr/>
+                  <p:nvPr/>
+                </p:nvSpPr>
+                <p:spPr>
+                  <a:xfrm>
+                    <a:off x="4408824" y="710464"/>
+                    <a:ext cx="1426008" cy="325671"/>
+                  </a:xfrm>
+                  <a:prstGeom prst="roundRect">
+                    <a:avLst>
+                      <a:gd name="adj" fmla="val 27012"/>
+                    </a:avLst>
+                  </a:prstGeom>
+                  <a:gradFill>
+                    <a:gsLst>
+                      <a:gs pos="55000">
+                        <a:schemeClr val="accent3">
+                          <a:lumMod val="60000"/>
+                          <a:lumOff val="40000"/>
+                        </a:schemeClr>
+                      </a:gs>
+                      <a:gs pos="9000">
+                        <a:schemeClr val="accent1">
+                          <a:lumMod val="50000"/>
+                        </a:schemeClr>
+                      </a:gs>
+                      <a:gs pos="96000">
+                        <a:srgbClr val="A3BDD4"/>
+                      </a:gs>
+                      <a:gs pos="100000">
+                        <a:schemeClr val="accent1">
+                          <a:lumMod val="30000"/>
+                          <a:lumOff val="70000"/>
+                        </a:schemeClr>
+                      </a:gs>
+                    </a:gsLst>
+                    <a:lin ang="16200000" scaled="1"/>
+                  </a:gradFill>
+                  <a:ln>
+                    <a:noFill/>
+                  </a:ln>
+                </p:spPr>
+                <p:style>
+                  <a:lnRef idx="2">
+                    <a:schemeClr val="accent1">
+                      <a:shade val="50000"/>
+                    </a:schemeClr>
+                  </a:lnRef>
+                  <a:fillRef idx="1">
+                    <a:schemeClr val="accent1"/>
+                  </a:fillRef>
+                  <a:effectRef idx="0">
+                    <a:schemeClr val="accent1"/>
+                  </a:effectRef>
+                  <a:fontRef idx="minor">
+                    <a:schemeClr val="lt1"/>
+                  </a:fontRef>
+                </p:style>
+                <p:txBody>
+                  <a:bodyPr rot="0" spcFirstLastPara="0" vert="horz" wrap="square" lIns="91440" tIns="45720" rIns="91440" bIns="45720" numCol="1" spcCol="0" rtlCol="0" fromWordArt="0" anchor="ctr" anchorCtr="0" forceAA="0" compatLnSpc="1">
+                    <a:prstTxWarp prst="textNoShape">
+                      <a:avLst/>
+                    </a:prstTxWarp>
+                    <a:noAutofit/>
+                  </a:bodyPr>
+                  <a:lstStyle/>
+                  <a:p>
+                    <a:pPr algn="ctr">
+                      <a:spcAft>
+                        <a:spcPts val="0"/>
+                      </a:spcAft>
+                    </a:pPr>
+                    <a:r>
+                      <a:rPr lang="pt-PT" sz="1200" kern="1200" dirty="0">
+                        <a:solidFill>
+                          <a:schemeClr val="tx1"/>
+                        </a:solidFill>
+                        <a:effectLst/>
+                        <a:ea typeface="Times New Roman" panose="02020603050405020304" pitchFamily="18" charset="0"/>
+                        <a:cs typeface="Times New Roman" panose="02020603050405020304" pitchFamily="18" charset="0"/>
+                      </a:rPr>
+                      <a:t>AVES</a:t>
+                    </a:r>
+                    <a:endParaRPr lang="pt-PT" sz="1200" dirty="0">
+                      <a:solidFill>
+                        <a:schemeClr val="tx1"/>
+                      </a:solidFill>
+                      <a:effectLst/>
+                      <a:latin typeface="Times New Roman" panose="02020603050405020304" pitchFamily="18" charset="0"/>
+                      <a:ea typeface="Times New Roman" panose="02020603050405020304" pitchFamily="18" charset="0"/>
+                    </a:endParaRPr>
+                  </a:p>
+                </p:txBody>
+              </p:sp>
+              <p:sp>
+                <p:nvSpPr>
+                  <p:cNvPr id="18" name="Retângulo arredondado 17"/>
+                  <p:cNvSpPr/>
+                  <p:nvPr/>
+                </p:nvSpPr>
+                <p:spPr>
+                  <a:xfrm>
+                    <a:off x="4408824" y="2131391"/>
+                    <a:ext cx="1426008" cy="325671"/>
+                  </a:xfrm>
+                  <a:prstGeom prst="roundRect">
+                    <a:avLst>
+                      <a:gd name="adj" fmla="val 27012"/>
+                    </a:avLst>
+                  </a:prstGeom>
+                  <a:gradFill>
+                    <a:gsLst>
+                      <a:gs pos="55000">
+                        <a:schemeClr val="accent3">
+                          <a:lumMod val="60000"/>
+                          <a:lumOff val="40000"/>
+                        </a:schemeClr>
+                      </a:gs>
+                      <a:gs pos="9000">
+                        <a:schemeClr val="accent1">
+                          <a:lumMod val="50000"/>
+                        </a:schemeClr>
+                      </a:gs>
+                      <a:gs pos="96000">
+                        <a:srgbClr val="A3BDD4"/>
+                      </a:gs>
+                      <a:gs pos="100000">
+                        <a:schemeClr val="accent1">
+                          <a:lumMod val="30000"/>
+                          <a:lumOff val="70000"/>
+                        </a:schemeClr>
+                      </a:gs>
+                    </a:gsLst>
+                    <a:lin ang="16200000" scaled="1"/>
+                  </a:gradFill>
+                  <a:ln>
+                    <a:noFill/>
+                  </a:ln>
+                </p:spPr>
+                <p:style>
+                  <a:lnRef idx="2">
+                    <a:schemeClr val="accent1">
+                      <a:shade val="50000"/>
+                    </a:schemeClr>
+                  </a:lnRef>
+                  <a:fillRef idx="1">
+                    <a:schemeClr val="accent1"/>
+                  </a:fillRef>
+                  <a:effectRef idx="0">
+                    <a:schemeClr val="accent1"/>
+                  </a:effectRef>
+                  <a:fontRef idx="minor">
+                    <a:schemeClr val="lt1"/>
+                  </a:fontRef>
+                </p:style>
+                <p:txBody>
+                  <a:bodyPr rot="0" spcFirstLastPara="0" vert="horz" wrap="square" lIns="91440" tIns="45720" rIns="91440" bIns="45720" numCol="1" spcCol="0" rtlCol="0" fromWordArt="0" anchor="ctr" anchorCtr="0" forceAA="0" compatLnSpc="1">
+                    <a:prstTxWarp prst="textNoShape">
+                      <a:avLst/>
+                    </a:prstTxWarp>
+                    <a:noAutofit/>
+                  </a:bodyPr>
+                  <a:lstStyle/>
+                  <a:p>
+                    <a:pPr algn="ctr">
+                      <a:spcAft>
+                        <a:spcPts val="0"/>
+                      </a:spcAft>
+                    </a:pPr>
+                    <a:r>
+                      <a:rPr lang="pt-PT" sz="1200" kern="1200" dirty="0">
+                        <a:solidFill>
+                          <a:schemeClr val="tx1"/>
+                        </a:solidFill>
+                        <a:effectLst/>
+                        <a:ea typeface="Times New Roman" panose="02020603050405020304" pitchFamily="18" charset="0"/>
+                        <a:cs typeface="Times New Roman" panose="02020603050405020304" pitchFamily="18" charset="0"/>
+                      </a:rPr>
+                      <a:t>PSITTACUS ERITHACUS</a:t>
+                    </a:r>
+                    <a:endParaRPr lang="pt-PT" sz="1200" dirty="0">
+                      <a:solidFill>
+                        <a:schemeClr val="tx1"/>
+                      </a:solidFill>
+                      <a:effectLst/>
+                      <a:latin typeface="Times New Roman" panose="02020603050405020304" pitchFamily="18" charset="0"/>
+                      <a:ea typeface="Times New Roman" panose="02020603050405020304" pitchFamily="18" charset="0"/>
+                    </a:endParaRPr>
+                  </a:p>
+                </p:txBody>
+              </p:sp>
+              <p:sp>
+                <p:nvSpPr>
+                  <p:cNvPr id="19" name="Retângulo arredondado 18"/>
+                  <p:cNvSpPr/>
+                  <p:nvPr/>
+                </p:nvSpPr>
+                <p:spPr>
+                  <a:xfrm>
+                    <a:off x="4408824" y="1776160"/>
+                    <a:ext cx="1426008" cy="325671"/>
+                  </a:xfrm>
+                  <a:prstGeom prst="roundRect">
+                    <a:avLst>
+                      <a:gd name="adj" fmla="val 27012"/>
+                    </a:avLst>
+                  </a:prstGeom>
+                  <a:gradFill>
+                    <a:gsLst>
+                      <a:gs pos="55000">
+                        <a:schemeClr val="accent3">
+                          <a:lumMod val="60000"/>
+                          <a:lumOff val="40000"/>
+                        </a:schemeClr>
+                      </a:gs>
+                      <a:gs pos="9000">
+                        <a:schemeClr val="accent1">
+                          <a:lumMod val="50000"/>
+                        </a:schemeClr>
+                      </a:gs>
+                      <a:gs pos="96000">
+                        <a:srgbClr val="A3BDD4"/>
+                      </a:gs>
+                      <a:gs pos="100000">
+                        <a:schemeClr val="accent1">
+                          <a:lumMod val="30000"/>
+                          <a:lumOff val="70000"/>
+                        </a:schemeClr>
+                      </a:gs>
+                    </a:gsLst>
+                    <a:lin ang="16200000" scaled="1"/>
+                  </a:gradFill>
+                  <a:ln>
+                    <a:noFill/>
+                  </a:ln>
+                </p:spPr>
+                <p:style>
+                  <a:lnRef idx="2">
+                    <a:schemeClr val="accent1">
+                      <a:shade val="50000"/>
+                    </a:schemeClr>
+                  </a:lnRef>
+                  <a:fillRef idx="1">
+                    <a:schemeClr val="accent1"/>
+                  </a:fillRef>
+                  <a:effectRef idx="0">
+                    <a:schemeClr val="accent1"/>
+                  </a:effectRef>
+                  <a:fontRef idx="minor">
+                    <a:schemeClr val="lt1"/>
+                  </a:fontRef>
+                </p:style>
+                <p:txBody>
+                  <a:bodyPr rot="0" spcFirstLastPara="0" vert="horz" wrap="square" lIns="91440" tIns="45720" rIns="91440" bIns="45720" numCol="1" spcCol="0" rtlCol="0" fromWordArt="0" anchor="ctr" anchorCtr="0" forceAA="0" compatLnSpc="1">
+                    <a:prstTxWarp prst="textNoShape">
+                      <a:avLst/>
+                    </a:prstTxWarp>
+                    <a:noAutofit/>
+                  </a:bodyPr>
+                  <a:lstStyle/>
+                  <a:p>
+                    <a:pPr algn="ctr">
+                      <a:spcAft>
+                        <a:spcPts val="0"/>
+                      </a:spcAft>
+                    </a:pPr>
+                    <a:r>
+                      <a:rPr lang="pt-PT" sz="1200" kern="1200" dirty="0">
+                        <a:solidFill>
+                          <a:schemeClr val="tx1"/>
+                        </a:solidFill>
+                        <a:effectLst/>
+                        <a:ea typeface="Times New Roman" panose="02020603050405020304" pitchFamily="18" charset="0"/>
+                        <a:cs typeface="Times New Roman" panose="02020603050405020304" pitchFamily="18" charset="0"/>
+                      </a:rPr>
+                      <a:t>PSITTACUS</a:t>
+                    </a:r>
+                    <a:endParaRPr lang="pt-PT" sz="1200" dirty="0">
+                      <a:solidFill>
+                        <a:schemeClr val="tx1"/>
+                      </a:solidFill>
+                      <a:effectLst/>
+                      <a:latin typeface="Times New Roman" panose="02020603050405020304" pitchFamily="18" charset="0"/>
+                      <a:ea typeface="Times New Roman" panose="02020603050405020304" pitchFamily="18" charset="0"/>
+                    </a:endParaRPr>
+                  </a:p>
+                </p:txBody>
+              </p:sp>
+              <p:sp>
+                <p:nvSpPr>
+                  <p:cNvPr id="20" name="Retângulo arredondado 19"/>
+                  <p:cNvSpPr/>
+                  <p:nvPr/>
+                </p:nvSpPr>
+                <p:spPr>
+                  <a:xfrm>
+                    <a:off x="4408824" y="1420928"/>
+                    <a:ext cx="1426008" cy="325671"/>
+                  </a:xfrm>
+                  <a:prstGeom prst="roundRect">
+                    <a:avLst>
+                      <a:gd name="adj" fmla="val 27012"/>
+                    </a:avLst>
+                  </a:prstGeom>
+                  <a:gradFill>
+                    <a:gsLst>
+                      <a:gs pos="55000">
+                        <a:schemeClr val="accent3">
+                          <a:lumMod val="60000"/>
+                          <a:lumOff val="40000"/>
+                        </a:schemeClr>
+                      </a:gs>
+                      <a:gs pos="9000">
+                        <a:schemeClr val="accent1">
+                          <a:lumMod val="50000"/>
+                        </a:schemeClr>
+                      </a:gs>
+                      <a:gs pos="96000">
+                        <a:srgbClr val="A3BDD4"/>
+                      </a:gs>
+                      <a:gs pos="100000">
+                        <a:schemeClr val="accent1">
+                          <a:lumMod val="30000"/>
+                          <a:lumOff val="70000"/>
+                        </a:schemeClr>
+                      </a:gs>
+                    </a:gsLst>
+                    <a:lin ang="16200000" scaled="1"/>
+                  </a:gradFill>
+                  <a:ln>
+                    <a:noFill/>
+                  </a:ln>
+                </p:spPr>
+                <p:style>
+                  <a:lnRef idx="2">
+                    <a:schemeClr val="accent1">
+                      <a:shade val="50000"/>
+                    </a:schemeClr>
+                  </a:lnRef>
+                  <a:fillRef idx="1">
+                    <a:schemeClr val="accent1"/>
+                  </a:fillRef>
+                  <a:effectRef idx="0">
+                    <a:schemeClr val="accent1"/>
+                  </a:effectRef>
+                  <a:fontRef idx="minor">
+                    <a:schemeClr val="lt1"/>
+                  </a:fontRef>
+                </p:style>
+                <p:txBody>
+                  <a:bodyPr rot="0" spcFirstLastPara="0" vert="horz" wrap="square" lIns="91440" tIns="45720" rIns="91440" bIns="45720" numCol="1" spcCol="0" rtlCol="0" fromWordArt="0" anchor="ctr" anchorCtr="0" forceAA="0" compatLnSpc="1">
+                    <a:prstTxWarp prst="textNoShape">
+                      <a:avLst/>
+                    </a:prstTxWarp>
+                    <a:noAutofit/>
+                  </a:bodyPr>
+                  <a:lstStyle/>
+                  <a:p>
+                    <a:pPr algn="ctr">
+                      <a:spcAft>
+                        <a:spcPts val="0"/>
+                      </a:spcAft>
+                    </a:pPr>
+                    <a:r>
+                      <a:rPr lang="pt-PT" sz="1200" kern="1200" dirty="0">
+                        <a:solidFill>
+                          <a:schemeClr val="tx1"/>
+                        </a:solidFill>
+                        <a:effectLst/>
+                        <a:ea typeface="Times New Roman" panose="02020603050405020304" pitchFamily="18" charset="0"/>
+                        <a:cs typeface="Times New Roman" panose="02020603050405020304" pitchFamily="18" charset="0"/>
+                      </a:rPr>
+                      <a:t>PSITTACIDAE</a:t>
+                    </a:r>
+                    <a:endParaRPr lang="pt-PT" sz="1200" dirty="0">
+                      <a:solidFill>
+                        <a:schemeClr val="tx1"/>
+                      </a:solidFill>
+                      <a:effectLst/>
+                      <a:latin typeface="Times New Roman" panose="02020603050405020304" pitchFamily="18" charset="0"/>
+                      <a:ea typeface="Times New Roman" panose="02020603050405020304" pitchFamily="18" charset="0"/>
+                    </a:endParaRPr>
+                  </a:p>
+                </p:txBody>
+              </p:sp>
+              <p:sp>
+                <p:nvSpPr>
+                  <p:cNvPr id="21" name="Retângulo arredondado 20"/>
+                  <p:cNvSpPr/>
+                  <p:nvPr/>
+                </p:nvSpPr>
+                <p:spPr>
+                  <a:xfrm>
+                    <a:off x="4408824" y="1065696"/>
+                    <a:ext cx="1426008" cy="325671"/>
+                  </a:xfrm>
+                  <a:prstGeom prst="roundRect">
+                    <a:avLst>
+                      <a:gd name="adj" fmla="val 27012"/>
+                    </a:avLst>
+                  </a:prstGeom>
+                  <a:gradFill>
+                    <a:gsLst>
+                      <a:gs pos="55000">
+                        <a:schemeClr val="accent3">
+                          <a:lumMod val="60000"/>
+                          <a:lumOff val="40000"/>
+                        </a:schemeClr>
+                      </a:gs>
+                      <a:gs pos="9000">
+                        <a:schemeClr val="accent1">
+                          <a:lumMod val="50000"/>
+                        </a:schemeClr>
+                      </a:gs>
+                      <a:gs pos="96000">
+                        <a:srgbClr val="A3BDD4"/>
+                      </a:gs>
+                      <a:gs pos="100000">
+                        <a:schemeClr val="accent1">
+                          <a:lumMod val="30000"/>
+                          <a:lumOff val="70000"/>
+                        </a:schemeClr>
+                      </a:gs>
+                    </a:gsLst>
+                    <a:lin ang="16200000" scaled="1"/>
+                  </a:gradFill>
+                  <a:ln>
+                    <a:noFill/>
+                  </a:ln>
+                </p:spPr>
+                <p:style>
+                  <a:lnRef idx="2">
+                    <a:schemeClr val="accent1">
+                      <a:shade val="50000"/>
+                    </a:schemeClr>
+                  </a:lnRef>
+                  <a:fillRef idx="1">
+                    <a:schemeClr val="accent1"/>
+                  </a:fillRef>
+                  <a:effectRef idx="0">
+                    <a:schemeClr val="accent1"/>
+                  </a:effectRef>
+                  <a:fontRef idx="minor">
+                    <a:schemeClr val="lt1"/>
+                  </a:fontRef>
+                </p:style>
+                <p:txBody>
+                  <a:bodyPr rot="0" spcFirstLastPara="0" vert="horz" wrap="square" lIns="91440" tIns="45720" rIns="91440" bIns="45720" numCol="1" spcCol="0" rtlCol="0" fromWordArt="0" anchor="ctr" anchorCtr="0" forceAA="0" compatLnSpc="1">
+                    <a:prstTxWarp prst="textNoShape">
+                      <a:avLst/>
+                    </a:prstTxWarp>
+                    <a:noAutofit/>
+                  </a:bodyPr>
+                  <a:lstStyle/>
+                  <a:p>
+                    <a:pPr algn="ctr">
+                      <a:spcAft>
+                        <a:spcPts val="0"/>
+                      </a:spcAft>
+                    </a:pPr>
+                    <a:r>
+                      <a:rPr lang="pt-PT" sz="1200" kern="1200" dirty="0">
+                        <a:solidFill>
+                          <a:schemeClr val="tx1"/>
+                        </a:solidFill>
+                        <a:effectLst/>
+                        <a:ea typeface="Times New Roman" panose="02020603050405020304" pitchFamily="18" charset="0"/>
+                        <a:cs typeface="Times New Roman" panose="02020603050405020304" pitchFamily="18" charset="0"/>
+                      </a:rPr>
+                      <a:t>PSITTACIFORMES</a:t>
+                    </a:r>
+                    <a:endParaRPr lang="pt-PT" sz="1200" dirty="0">
+                      <a:solidFill>
+                        <a:schemeClr val="tx1"/>
+                      </a:solidFill>
+                      <a:effectLst/>
+                      <a:latin typeface="Times New Roman" panose="02020603050405020304" pitchFamily="18" charset="0"/>
+                      <a:ea typeface="Times New Roman" panose="02020603050405020304" pitchFamily="18" charset="0"/>
+                    </a:endParaRPr>
+                  </a:p>
+                </p:txBody>
+              </p:sp>
+              <p:sp>
+                <p:nvSpPr>
+                  <p:cNvPr id="22" name="Retângulo arredondado 21"/>
+                  <p:cNvSpPr/>
+                  <p:nvPr/>
+                </p:nvSpPr>
+                <p:spPr>
+                  <a:xfrm>
+                    <a:off x="1469609" y="710464"/>
+                    <a:ext cx="2895616" cy="325671"/>
+                  </a:xfrm>
+                  <a:prstGeom prst="roundRect">
+                    <a:avLst>
+                      <a:gd name="adj" fmla="val 27012"/>
+                    </a:avLst>
+                  </a:prstGeom>
+                  <a:gradFill>
+                    <a:gsLst>
+                      <a:gs pos="55000">
+                        <a:schemeClr val="accent3">
+                          <a:lumMod val="60000"/>
+                          <a:lumOff val="40000"/>
+                        </a:schemeClr>
+                      </a:gs>
+                      <a:gs pos="9000">
+                        <a:schemeClr val="accent1">
+                          <a:lumMod val="50000"/>
+                        </a:schemeClr>
+                      </a:gs>
+                      <a:gs pos="96000">
+                        <a:srgbClr val="A3BDD4"/>
+                      </a:gs>
+                      <a:gs pos="100000">
+                        <a:schemeClr val="accent1">
+                          <a:lumMod val="30000"/>
+                          <a:lumOff val="70000"/>
+                        </a:schemeClr>
+                      </a:gs>
+                    </a:gsLst>
+                    <a:lin ang="16200000" scaled="1"/>
+                  </a:gradFill>
+                  <a:ln>
+                    <a:noFill/>
+                  </a:ln>
+                </p:spPr>
+                <p:style>
+                  <a:lnRef idx="2">
+                    <a:schemeClr val="accent1">
+                      <a:shade val="50000"/>
+                    </a:schemeClr>
+                  </a:lnRef>
+                  <a:fillRef idx="1">
+                    <a:schemeClr val="accent1"/>
+                  </a:fillRef>
+                  <a:effectRef idx="0">
+                    <a:schemeClr val="accent1"/>
+                  </a:effectRef>
+                  <a:fontRef idx="minor">
+                    <a:schemeClr val="lt1"/>
+                  </a:fontRef>
+                </p:style>
+                <p:txBody>
+                  <a:bodyPr rot="0" spcFirstLastPara="0" vert="horz" wrap="square" lIns="91440" tIns="45720" rIns="91440" bIns="45720" numCol="1" spcCol="0" rtlCol="0" fromWordArt="0" anchor="ctr" anchorCtr="0" forceAA="0" compatLnSpc="1">
+                    <a:prstTxWarp prst="textNoShape">
+                      <a:avLst/>
+                    </a:prstTxWarp>
+                    <a:noAutofit/>
+                  </a:bodyPr>
+                  <a:lstStyle/>
+                  <a:p>
+                    <a:pPr algn="ctr">
+                      <a:spcAft>
+                        <a:spcPts val="0"/>
+                      </a:spcAft>
+                    </a:pPr>
+                    <a:r>
+                      <a:rPr lang="pt-PT" sz="1200" kern="1200" dirty="0">
+                        <a:solidFill>
+                          <a:schemeClr val="tx1"/>
+                        </a:solidFill>
+                        <a:effectLst/>
+                        <a:ea typeface="Times New Roman" panose="02020603050405020304" pitchFamily="18" charset="0"/>
+                        <a:cs typeface="Times New Roman" panose="02020603050405020304" pitchFamily="18" charset="0"/>
+                      </a:rPr>
+                      <a:t>MAMMALIA</a:t>
+                    </a:r>
+                    <a:endParaRPr lang="pt-PT" sz="1200" dirty="0">
+                      <a:solidFill>
+                        <a:schemeClr val="tx1"/>
+                      </a:solidFill>
+                      <a:effectLst/>
+                      <a:latin typeface="Times New Roman" panose="02020603050405020304" pitchFamily="18" charset="0"/>
+                      <a:ea typeface="Times New Roman" panose="02020603050405020304" pitchFamily="18" charset="0"/>
+                    </a:endParaRPr>
+                  </a:p>
+                </p:txBody>
+              </p:sp>
+              <p:sp>
+                <p:nvSpPr>
+                  <p:cNvPr id="23" name="Retângulo arredondado 22"/>
+                  <p:cNvSpPr/>
+                  <p:nvPr/>
+                </p:nvSpPr>
+                <p:spPr>
+                  <a:xfrm>
+                    <a:off x="1469609" y="2131391"/>
+                    <a:ext cx="1426008" cy="325671"/>
+                  </a:xfrm>
+                  <a:prstGeom prst="roundRect">
+                    <a:avLst>
+                      <a:gd name="adj" fmla="val 27012"/>
+                    </a:avLst>
+                  </a:prstGeom>
+                  <a:gradFill>
+                    <a:gsLst>
+                      <a:gs pos="55000">
+                        <a:schemeClr val="accent3">
+                          <a:lumMod val="60000"/>
+                          <a:lumOff val="40000"/>
+                        </a:schemeClr>
+                      </a:gs>
+                      <a:gs pos="9000">
+                        <a:schemeClr val="accent1">
+                          <a:lumMod val="50000"/>
+                        </a:schemeClr>
+                      </a:gs>
+                      <a:gs pos="96000">
+                        <a:srgbClr val="A3BDD4"/>
+                      </a:gs>
+                      <a:gs pos="100000">
+                        <a:schemeClr val="accent1">
+                          <a:lumMod val="30000"/>
+                          <a:lumOff val="70000"/>
+                        </a:schemeClr>
+                      </a:gs>
+                    </a:gsLst>
+                    <a:lin ang="16200000" scaled="1"/>
+                  </a:gradFill>
+                  <a:ln>
+                    <a:noFill/>
+                  </a:ln>
+                </p:spPr>
+                <p:style>
+                  <a:lnRef idx="2">
+                    <a:schemeClr val="accent1">
+                      <a:shade val="50000"/>
+                    </a:schemeClr>
+                  </a:lnRef>
+                  <a:fillRef idx="1">
+                    <a:schemeClr val="accent1"/>
+                  </a:fillRef>
+                  <a:effectRef idx="0">
+                    <a:schemeClr val="accent1"/>
+                  </a:effectRef>
+                  <a:fontRef idx="minor">
+                    <a:schemeClr val="lt1"/>
+                  </a:fontRef>
+                </p:style>
+                <p:txBody>
+                  <a:bodyPr rot="0" spcFirstLastPara="0" vert="horz" wrap="square" lIns="91440" tIns="45720" rIns="91440" bIns="45720" numCol="1" spcCol="0" rtlCol="0" fromWordArt="0" anchor="ctr" anchorCtr="0" forceAA="0" compatLnSpc="1">
+                    <a:prstTxWarp prst="textNoShape">
+                      <a:avLst/>
+                    </a:prstTxWarp>
+                    <a:noAutofit/>
+                  </a:bodyPr>
+                  <a:lstStyle/>
+                  <a:p>
+                    <a:pPr algn="ctr">
+                      <a:spcAft>
+                        <a:spcPts val="0"/>
+                      </a:spcAft>
+                    </a:pPr>
+                    <a:r>
+                      <a:rPr lang="pt-PT" sz="1200" kern="1200" dirty="0">
+                        <a:solidFill>
+                          <a:schemeClr val="tx1"/>
+                        </a:solidFill>
+                        <a:effectLst/>
+                        <a:ea typeface="Times New Roman" panose="02020603050405020304" pitchFamily="18" charset="0"/>
+                        <a:cs typeface="Times New Roman" panose="02020603050405020304" pitchFamily="18" charset="0"/>
+                      </a:rPr>
+                      <a:t>CANIS FAMILIARIS</a:t>
+                    </a:r>
+                    <a:endParaRPr lang="pt-PT" sz="1200" dirty="0">
+                      <a:solidFill>
+                        <a:schemeClr val="tx1"/>
+                      </a:solidFill>
+                      <a:effectLst/>
+                      <a:latin typeface="Times New Roman" panose="02020603050405020304" pitchFamily="18" charset="0"/>
+                      <a:ea typeface="Times New Roman" panose="02020603050405020304" pitchFamily="18" charset="0"/>
+                    </a:endParaRPr>
+                  </a:p>
+                </p:txBody>
+              </p:sp>
+              <p:sp>
+                <p:nvSpPr>
+                  <p:cNvPr id="24" name="Retângulo arredondado 23"/>
+                  <p:cNvSpPr/>
+                  <p:nvPr/>
+                </p:nvSpPr>
+                <p:spPr>
+                  <a:xfrm>
+                    <a:off x="1469609" y="1776160"/>
+                    <a:ext cx="1426008" cy="325671"/>
+                  </a:xfrm>
+                  <a:prstGeom prst="roundRect">
+                    <a:avLst>
+                      <a:gd name="adj" fmla="val 27012"/>
+                    </a:avLst>
+                  </a:prstGeom>
+                  <a:gradFill>
+                    <a:gsLst>
+                      <a:gs pos="55000">
+                        <a:schemeClr val="accent3">
+                          <a:lumMod val="60000"/>
+                          <a:lumOff val="40000"/>
+                        </a:schemeClr>
+                      </a:gs>
+                      <a:gs pos="9000">
+                        <a:schemeClr val="accent1">
+                          <a:lumMod val="50000"/>
+                        </a:schemeClr>
+                      </a:gs>
+                      <a:gs pos="96000">
+                        <a:srgbClr val="A3BDD4"/>
+                      </a:gs>
+                      <a:gs pos="100000">
+                        <a:schemeClr val="accent1">
+                          <a:lumMod val="30000"/>
+                          <a:lumOff val="70000"/>
+                        </a:schemeClr>
+                      </a:gs>
+                    </a:gsLst>
+                    <a:lin ang="16200000" scaled="1"/>
+                  </a:gradFill>
+                  <a:ln>
+                    <a:noFill/>
+                  </a:ln>
+                </p:spPr>
+                <p:style>
+                  <a:lnRef idx="2">
+                    <a:schemeClr val="accent1">
+                      <a:shade val="50000"/>
+                    </a:schemeClr>
+                  </a:lnRef>
+                  <a:fillRef idx="1">
+                    <a:schemeClr val="accent1"/>
+                  </a:fillRef>
+                  <a:effectRef idx="0">
+                    <a:schemeClr val="accent1"/>
+                  </a:effectRef>
+                  <a:fontRef idx="minor">
+                    <a:schemeClr val="lt1"/>
+                  </a:fontRef>
+                </p:style>
+                <p:txBody>
+                  <a:bodyPr rot="0" spcFirstLastPara="0" vert="horz" wrap="square" lIns="91440" tIns="45720" rIns="91440" bIns="45720" numCol="1" spcCol="0" rtlCol="0" fromWordArt="0" anchor="ctr" anchorCtr="0" forceAA="0" compatLnSpc="1">
+                    <a:prstTxWarp prst="textNoShape">
+                      <a:avLst/>
+                    </a:prstTxWarp>
+                    <a:noAutofit/>
+                  </a:bodyPr>
+                  <a:lstStyle/>
+                  <a:p>
+                    <a:pPr algn="ctr">
+                      <a:spcAft>
+                        <a:spcPts val="0"/>
+                      </a:spcAft>
+                    </a:pPr>
+                    <a:r>
+                      <a:rPr lang="pt-PT" sz="1200" kern="1200" dirty="0">
+                        <a:solidFill>
+                          <a:schemeClr val="tx1"/>
+                        </a:solidFill>
+                        <a:effectLst/>
+                        <a:ea typeface="Times New Roman" panose="02020603050405020304" pitchFamily="18" charset="0"/>
+                        <a:cs typeface="Times New Roman" panose="02020603050405020304" pitchFamily="18" charset="0"/>
+                      </a:rPr>
+                      <a:t>CANIS</a:t>
+                    </a:r>
+                    <a:endParaRPr lang="pt-PT" sz="1200" dirty="0">
+                      <a:solidFill>
+                        <a:schemeClr val="tx1"/>
+                      </a:solidFill>
+                      <a:effectLst/>
+                      <a:latin typeface="Times New Roman" panose="02020603050405020304" pitchFamily="18" charset="0"/>
+                      <a:ea typeface="Times New Roman" panose="02020603050405020304" pitchFamily="18" charset="0"/>
+                    </a:endParaRPr>
+                  </a:p>
+                </p:txBody>
+              </p:sp>
+              <p:sp>
+                <p:nvSpPr>
+                  <p:cNvPr id="25" name="Retângulo arredondado 24"/>
+                  <p:cNvSpPr/>
+                  <p:nvPr/>
+                </p:nvSpPr>
+                <p:spPr>
+                  <a:xfrm>
+                    <a:off x="1469609" y="1420928"/>
+                    <a:ext cx="1426008" cy="325671"/>
+                  </a:xfrm>
+                  <a:prstGeom prst="roundRect">
+                    <a:avLst>
+                      <a:gd name="adj" fmla="val 27012"/>
+                    </a:avLst>
+                  </a:prstGeom>
+                  <a:gradFill>
+                    <a:gsLst>
+                      <a:gs pos="55000">
+                        <a:schemeClr val="accent3">
+                          <a:lumMod val="60000"/>
+                          <a:lumOff val="40000"/>
+                        </a:schemeClr>
+                      </a:gs>
+                      <a:gs pos="9000">
+                        <a:schemeClr val="accent1">
+                          <a:lumMod val="50000"/>
+                        </a:schemeClr>
+                      </a:gs>
+                      <a:gs pos="96000">
+                        <a:srgbClr val="A3BDD4"/>
+                      </a:gs>
+                      <a:gs pos="100000">
+                        <a:schemeClr val="accent1">
+                          <a:lumMod val="30000"/>
+                          <a:lumOff val="70000"/>
+                        </a:schemeClr>
+                      </a:gs>
+                    </a:gsLst>
+                    <a:lin ang="16200000" scaled="1"/>
+                  </a:gradFill>
+                  <a:ln>
+                    <a:noFill/>
+                  </a:ln>
+                </p:spPr>
+                <p:style>
+                  <a:lnRef idx="2">
+                    <a:schemeClr val="accent1">
+                      <a:shade val="50000"/>
+                    </a:schemeClr>
+                  </a:lnRef>
+                  <a:fillRef idx="1">
+                    <a:schemeClr val="accent1"/>
+                  </a:fillRef>
+                  <a:effectRef idx="0">
+                    <a:schemeClr val="accent1"/>
+                  </a:effectRef>
+                  <a:fontRef idx="minor">
+                    <a:schemeClr val="lt1"/>
+                  </a:fontRef>
+                </p:style>
+                <p:txBody>
+                  <a:bodyPr rot="0" spcFirstLastPara="0" vert="horz" wrap="square" lIns="91440" tIns="45720" rIns="91440" bIns="45720" numCol="1" spcCol="0" rtlCol="0" fromWordArt="0" anchor="ctr" anchorCtr="0" forceAA="0" compatLnSpc="1">
+                    <a:prstTxWarp prst="textNoShape">
+                      <a:avLst/>
+                    </a:prstTxWarp>
+                    <a:noAutofit/>
+                  </a:bodyPr>
+                  <a:lstStyle/>
+                  <a:p>
+                    <a:pPr algn="ctr">
+                      <a:spcAft>
+                        <a:spcPts val="0"/>
+                      </a:spcAft>
+                    </a:pPr>
+                    <a:r>
+                      <a:rPr lang="pt-PT" sz="1200" kern="1200" dirty="0">
+                        <a:solidFill>
+                          <a:schemeClr val="tx1"/>
+                        </a:solidFill>
+                        <a:effectLst/>
+                        <a:ea typeface="Times New Roman" panose="02020603050405020304" pitchFamily="18" charset="0"/>
+                        <a:cs typeface="Times New Roman" panose="02020603050405020304" pitchFamily="18" charset="0"/>
+                      </a:rPr>
+                      <a:t>CANIDAE</a:t>
+                    </a:r>
+                    <a:endParaRPr lang="pt-PT" sz="1200" dirty="0">
+                      <a:solidFill>
+                        <a:schemeClr val="tx1"/>
+                      </a:solidFill>
+                      <a:effectLst/>
+                      <a:latin typeface="Times New Roman" panose="02020603050405020304" pitchFamily="18" charset="0"/>
+                      <a:ea typeface="Times New Roman" panose="02020603050405020304" pitchFamily="18" charset="0"/>
+                    </a:endParaRPr>
+                  </a:p>
+                </p:txBody>
+              </p:sp>
+              <p:sp>
+                <p:nvSpPr>
+                  <p:cNvPr id="26" name="Retângulo arredondado 25"/>
+                  <p:cNvSpPr/>
+                  <p:nvPr/>
+                </p:nvSpPr>
+                <p:spPr>
+                  <a:xfrm>
+                    <a:off x="1469609" y="1065696"/>
+                    <a:ext cx="1426008" cy="325671"/>
+                  </a:xfrm>
+                  <a:prstGeom prst="roundRect">
+                    <a:avLst>
+                      <a:gd name="adj" fmla="val 27012"/>
+                    </a:avLst>
+                  </a:prstGeom>
+                  <a:gradFill>
+                    <a:gsLst>
+                      <a:gs pos="55000">
+                        <a:schemeClr val="accent3">
+                          <a:lumMod val="60000"/>
+                          <a:lumOff val="40000"/>
+                        </a:schemeClr>
+                      </a:gs>
+                      <a:gs pos="9000">
+                        <a:schemeClr val="accent1">
+                          <a:lumMod val="50000"/>
+                        </a:schemeClr>
+                      </a:gs>
+                      <a:gs pos="96000">
+                        <a:srgbClr val="A3BDD4"/>
+                      </a:gs>
+                      <a:gs pos="100000">
+                        <a:schemeClr val="accent1">
+                          <a:lumMod val="30000"/>
+                          <a:lumOff val="70000"/>
+                        </a:schemeClr>
+                      </a:gs>
+                    </a:gsLst>
+                    <a:lin ang="16200000" scaled="1"/>
+                  </a:gradFill>
+                  <a:ln>
+                    <a:noFill/>
+                  </a:ln>
+                </p:spPr>
+                <p:style>
+                  <a:lnRef idx="2">
+                    <a:schemeClr val="accent1">
+                      <a:shade val="50000"/>
+                    </a:schemeClr>
+                  </a:lnRef>
+                  <a:fillRef idx="1">
+                    <a:schemeClr val="accent1"/>
+                  </a:fillRef>
+                  <a:effectRef idx="0">
+                    <a:schemeClr val="accent1"/>
+                  </a:effectRef>
+                  <a:fontRef idx="minor">
+                    <a:schemeClr val="lt1"/>
+                  </a:fontRef>
+                </p:style>
+                <p:txBody>
+                  <a:bodyPr rot="0" spcFirstLastPara="0" vert="horz" wrap="square" lIns="91440" tIns="45720" rIns="91440" bIns="45720" numCol="1" spcCol="0" rtlCol="0" fromWordArt="0" anchor="ctr" anchorCtr="0" forceAA="0" compatLnSpc="1">
+                    <a:prstTxWarp prst="textNoShape">
+                      <a:avLst/>
+                    </a:prstTxWarp>
+                    <a:noAutofit/>
+                  </a:bodyPr>
+                  <a:lstStyle/>
+                  <a:p>
+                    <a:pPr algn="ctr">
+                      <a:spcAft>
+                        <a:spcPts val="0"/>
+                      </a:spcAft>
+                    </a:pPr>
+                    <a:r>
+                      <a:rPr lang="pt-PT" sz="1200" kern="1200" dirty="0">
+                        <a:solidFill>
+                          <a:schemeClr val="tx1"/>
+                        </a:solidFill>
+                        <a:effectLst/>
+                        <a:ea typeface="Times New Roman" panose="02020603050405020304" pitchFamily="18" charset="0"/>
+                        <a:cs typeface="Times New Roman" panose="02020603050405020304" pitchFamily="18" charset="0"/>
+                      </a:rPr>
+                      <a:t>CARNIVORA</a:t>
+                    </a:r>
+                    <a:endParaRPr lang="pt-PT" sz="1200" dirty="0">
+                      <a:solidFill>
+                        <a:schemeClr val="tx1"/>
+                      </a:solidFill>
+                      <a:effectLst/>
+                      <a:latin typeface="Times New Roman" panose="02020603050405020304" pitchFamily="18" charset="0"/>
+                      <a:ea typeface="Times New Roman" panose="02020603050405020304" pitchFamily="18" charset="0"/>
+                    </a:endParaRPr>
+                  </a:p>
+                </p:txBody>
+              </p:sp>
+            </p:grpSp>
+            <p:pic>
+              <p:nvPicPr>
+                <p:cNvPr id="8" name="Imagem 7"/>
+                <p:cNvPicPr>
+                  <a:picLocks noChangeAspect="1"/>
+                </p:cNvPicPr>
+                <p:nvPr/>
+              </p:nvPicPr>
+              <p:blipFill>
+                <a:blip r:embed="rId2" cstate="print">
+                  <a:extLst>
+                    <a:ext uri="{28A0092B-C50C-407E-A947-70E740481C1C}">
+                      <a14:useLocalDpi xmlns:a14="http://schemas.microsoft.com/office/drawing/2010/main" val="0"/>
+                    </a:ext>
+                  </a:extLst>
+                </a:blip>
+                <a:stretch>
+                  <a:fillRect/>
+                </a:stretch>
+              </p:blipFill>
+              <p:spPr>
+                <a:xfrm>
+                  <a:off x="1919642" y="2560318"/>
+                  <a:ext cx="525942" cy="394457"/>
+                </a:xfrm>
+                <a:prstGeom prst="rect">
+                  <a:avLst/>
+                </a:prstGeom>
+              </p:spPr>
+            </p:pic>
+            <p:pic>
+              <p:nvPicPr>
+                <p:cNvPr id="9" name="Imagem 8"/>
+                <p:cNvPicPr>
+                  <a:picLocks noChangeAspect="1"/>
+                </p:cNvPicPr>
+                <p:nvPr/>
+              </p:nvPicPr>
+              <p:blipFill>
+                <a:blip r:embed="rId3" cstate="print">
+                  <a:extLst>
+                    <a:ext uri="{28A0092B-C50C-407E-A947-70E740481C1C}">
+                      <a14:useLocalDpi xmlns:a14="http://schemas.microsoft.com/office/drawing/2010/main" val="0"/>
+                    </a:ext>
+                  </a:extLst>
+                </a:blip>
+                <a:stretch>
+                  <a:fillRect/>
+                </a:stretch>
+              </p:blipFill>
+              <p:spPr>
+                <a:xfrm>
+                  <a:off x="4855855" y="2560318"/>
+                  <a:ext cx="525063" cy="397865"/>
+                </a:xfrm>
+                <a:prstGeom prst="rect">
+                  <a:avLst/>
+                </a:prstGeom>
+              </p:spPr>
+            </p:pic>
+            <p:pic>
+              <p:nvPicPr>
+                <p:cNvPr id="10" name="Imagem 9"/>
+                <p:cNvPicPr>
+                  <a:picLocks noChangeAspect="1"/>
+                </p:cNvPicPr>
+                <p:nvPr/>
+              </p:nvPicPr>
+              <p:blipFill>
+                <a:blip r:embed="rId4" cstate="print">
+                  <a:extLst>
+                    <a:ext uri="{28A0092B-C50C-407E-A947-70E740481C1C}">
+                      <a14:useLocalDpi xmlns:a14="http://schemas.microsoft.com/office/drawing/2010/main" val="0"/>
+                    </a:ext>
+                  </a:extLst>
+                </a:blip>
+                <a:stretch>
+                  <a:fillRect/>
+                </a:stretch>
+              </p:blipFill>
+              <p:spPr>
+                <a:xfrm>
+                  <a:off x="3526365" y="2482038"/>
+                  <a:ext cx="248709" cy="479301"/>
+                </a:xfrm>
+                <a:prstGeom prst="rect">
+                  <a:avLst/>
+                </a:prstGeom>
+              </p:spPr>
+            </p:pic>
+          </p:grpSp>
+        </p:grpSp>
+        <p:sp>
+          <p:nvSpPr>
+            <p:cNvPr id="34" name="CaixaDeTexto 33"/>
+            <p:cNvSpPr txBox="1"/>
+            <p:nvPr/>
+          </p:nvSpPr>
+          <p:spPr>
+            <a:xfrm>
+              <a:off x="2538602" y="7532779"/>
+              <a:ext cx="311304" cy="276999"/>
+            </a:xfrm>
+            <a:prstGeom prst="rect">
+              <a:avLst/>
+            </a:prstGeom>
+            <a:noFill/>
+          </p:spPr>
+          <p:txBody>
+            <a:bodyPr wrap="none" rtlCol="0">
+              <a:spAutoFit/>
+            </a:bodyPr>
+            <a:lstStyle/>
+            <a:p>
+              <a:r>
+                <a:rPr lang="pt-PT" sz="1200" dirty="0" smtClean="0"/>
+                <a:t>b)</a:t>
+              </a:r>
+              <a:endParaRPr lang="pt-PT" sz="1200" dirty="0"/>
+            </a:p>
+          </p:txBody>
+        </p:sp>
+        <p:sp>
+          <p:nvSpPr>
+            <p:cNvPr id="35" name="CaixaDeTexto 34"/>
+            <p:cNvSpPr txBox="1"/>
+            <p:nvPr/>
+          </p:nvSpPr>
+          <p:spPr>
+            <a:xfrm>
+              <a:off x="4006596" y="7532779"/>
+              <a:ext cx="296876" cy="276999"/>
+            </a:xfrm>
+            <a:prstGeom prst="rect">
+              <a:avLst/>
+            </a:prstGeom>
+            <a:noFill/>
+          </p:spPr>
+          <p:txBody>
+            <a:bodyPr wrap="none" rtlCol="0">
+              <a:spAutoFit/>
+            </a:bodyPr>
+            <a:lstStyle/>
+            <a:p>
+              <a:r>
+                <a:rPr lang="pt-PT" sz="1200" dirty="0" smtClean="0"/>
+                <a:t>c)</a:t>
+              </a:r>
+              <a:endParaRPr lang="pt-PT" sz="1200" dirty="0"/>
+            </a:p>
+          </p:txBody>
+        </p:sp>
+        <p:sp>
+          <p:nvSpPr>
+            <p:cNvPr id="36" name="CaixaDeTexto 35"/>
+            <p:cNvSpPr txBox="1"/>
+            <p:nvPr/>
+          </p:nvSpPr>
+          <p:spPr>
+            <a:xfrm>
+              <a:off x="5474150" y="7532779"/>
+              <a:ext cx="311304" cy="276999"/>
+            </a:xfrm>
+            <a:prstGeom prst="rect">
+              <a:avLst/>
+            </a:prstGeom>
+            <a:noFill/>
+          </p:spPr>
+          <p:txBody>
+            <a:bodyPr wrap="none" rtlCol="0">
+              <a:spAutoFit/>
+            </a:bodyPr>
+            <a:lstStyle/>
+            <a:p>
+              <a:r>
+                <a:rPr lang="pt-PT" sz="1200" dirty="0" smtClean="0"/>
+                <a:t>d)</a:t>
+              </a:r>
+              <a:endParaRPr lang="pt-PT" sz="1200" dirty="0"/>
+            </a:p>
+          </p:txBody>
+        </p:sp>
+        <p:sp>
+          <p:nvSpPr>
+            <p:cNvPr id="37" name="CaixaDeTexto 36"/>
+            <p:cNvSpPr txBox="1"/>
+            <p:nvPr/>
+          </p:nvSpPr>
+          <p:spPr>
+            <a:xfrm>
+              <a:off x="1104974" y="7532779"/>
+              <a:ext cx="311304" cy="276999"/>
+            </a:xfrm>
+            <a:prstGeom prst="rect">
+              <a:avLst/>
+            </a:prstGeom>
+            <a:noFill/>
+          </p:spPr>
+          <p:txBody>
+            <a:bodyPr wrap="none" rtlCol="0">
+              <a:spAutoFit/>
+            </a:bodyPr>
+            <a:lstStyle/>
+            <a:p>
+              <a:r>
+                <a:rPr lang="pt-PT" sz="1200" dirty="0" smtClean="0"/>
+                <a:t>a)</a:t>
+              </a:r>
+              <a:endParaRPr lang="pt-PT" sz="1200" dirty="0"/>
+            </a:p>
+          </p:txBody>
+        </p:sp>
+      </p:grpSp>
+    </p:spTree>
+    <p:extLst>
+      <p:ext uri="{BB962C8B-B14F-4D97-AF65-F5344CB8AC3E}">
+        <p14:creationId xmlns:p14="http://schemas.microsoft.com/office/powerpoint/2010/main" val="1123756113"/>
+      </p:ext>
+    </p:extLst>
+  </p:cSld>
+  <p:clrMapOvr>
+    <a:masterClrMapping/>
+  </p:clrMapOvr>
 </p:sld>
 </file>
 
